--- a/Lecture_25.pptx
+++ b/Lecture_25.pptx
@@ -9,14 +9,16 @@
     <p:sldId id="257" r:id="rId3"/>
     <p:sldId id="258" r:id="rId4"/>
     <p:sldId id="259" r:id="rId5"/>
-    <p:sldId id="260" r:id="rId6"/>
-    <p:sldId id="266" r:id="rId7"/>
-    <p:sldId id="261" r:id="rId8"/>
-    <p:sldId id="262" r:id="rId9"/>
+    <p:sldId id="268" r:id="rId6"/>
+    <p:sldId id="260" r:id="rId7"/>
+    <p:sldId id="266" r:id="rId8"/>
+    <p:sldId id="261" r:id="rId9"/>
     <p:sldId id="263" r:id="rId10"/>
     <p:sldId id="264" r:id="rId11"/>
-    <p:sldId id="265" r:id="rId12"/>
+    <p:sldId id="269" r:id="rId12"/>
     <p:sldId id="267" r:id="rId13"/>
+    <p:sldId id="262" r:id="rId14"/>
+    <p:sldId id="265" r:id="rId15"/>
   </p:sldIdLst>
   <p:sldSz cx="12192000" cy="6858000"/>
   <p:notesSz cx="6858000" cy="9144000"/>
@@ -115,6 +117,11 @@
       </a:defRPr>
     </a:lvl9pPr>
   </p:defaultTextStyle>
+  <p:extLst>
+    <p:ext uri="{EFAFB233-063F-42B5-8137-9DF3F51BA10A}">
+      <p15:sldGuideLst xmlns:p15="http://schemas.microsoft.com/office/powerpoint/2012/main"/>
+    </p:ext>
+  </p:extLst>
 </p:presentation>
 </file>
 
@@ -265,7 +272,7 @@
           <a:p>
             <a:fld id="{6B6B17E2-4AF4-494B-A352-10F781C30CF7}" type="datetimeFigureOut">
               <a:rPr lang="en-US" smtClean="0"/>
-              <a:t>11/7/2019</a:t>
+              <a:t>11/8/2019</a:t>
             </a:fld>
             <a:endParaRPr lang="en-US"/>
           </a:p>
@@ -463,7 +470,7 @@
           <a:p>
             <a:fld id="{6B6B17E2-4AF4-494B-A352-10F781C30CF7}" type="datetimeFigureOut">
               <a:rPr lang="en-US" smtClean="0"/>
-              <a:t>11/7/2019</a:t>
+              <a:t>11/8/2019</a:t>
             </a:fld>
             <a:endParaRPr lang="en-US"/>
           </a:p>
@@ -671,7 +678,7 @@
           <a:p>
             <a:fld id="{6B6B17E2-4AF4-494B-A352-10F781C30CF7}" type="datetimeFigureOut">
               <a:rPr lang="en-US" smtClean="0"/>
-              <a:t>11/7/2019</a:t>
+              <a:t>11/8/2019</a:t>
             </a:fld>
             <a:endParaRPr lang="en-US"/>
           </a:p>
@@ -869,7 +876,7 @@
           <a:p>
             <a:fld id="{6B6B17E2-4AF4-494B-A352-10F781C30CF7}" type="datetimeFigureOut">
               <a:rPr lang="en-US" smtClean="0"/>
-              <a:t>11/7/2019</a:t>
+              <a:t>11/8/2019</a:t>
             </a:fld>
             <a:endParaRPr lang="en-US"/>
           </a:p>
@@ -1144,7 +1151,7 @@
           <a:p>
             <a:fld id="{6B6B17E2-4AF4-494B-A352-10F781C30CF7}" type="datetimeFigureOut">
               <a:rPr lang="en-US" smtClean="0"/>
-              <a:t>11/7/2019</a:t>
+              <a:t>11/8/2019</a:t>
             </a:fld>
             <a:endParaRPr lang="en-US"/>
           </a:p>
@@ -1409,7 +1416,7 @@
           <a:p>
             <a:fld id="{6B6B17E2-4AF4-494B-A352-10F781C30CF7}" type="datetimeFigureOut">
               <a:rPr lang="en-US" smtClean="0"/>
-              <a:t>11/7/2019</a:t>
+              <a:t>11/8/2019</a:t>
             </a:fld>
             <a:endParaRPr lang="en-US"/>
           </a:p>
@@ -1821,7 +1828,7 @@
           <a:p>
             <a:fld id="{6B6B17E2-4AF4-494B-A352-10F781C30CF7}" type="datetimeFigureOut">
               <a:rPr lang="en-US" smtClean="0"/>
-              <a:t>11/7/2019</a:t>
+              <a:t>11/8/2019</a:t>
             </a:fld>
             <a:endParaRPr lang="en-US"/>
           </a:p>
@@ -1962,7 +1969,7 @@
           <a:p>
             <a:fld id="{6B6B17E2-4AF4-494B-A352-10F781C30CF7}" type="datetimeFigureOut">
               <a:rPr lang="en-US" smtClean="0"/>
-              <a:t>11/7/2019</a:t>
+              <a:t>11/8/2019</a:t>
             </a:fld>
             <a:endParaRPr lang="en-US"/>
           </a:p>
@@ -2075,7 +2082,7 @@
           <a:p>
             <a:fld id="{6B6B17E2-4AF4-494B-A352-10F781C30CF7}" type="datetimeFigureOut">
               <a:rPr lang="en-US" smtClean="0"/>
-              <a:t>11/7/2019</a:t>
+              <a:t>11/8/2019</a:t>
             </a:fld>
             <a:endParaRPr lang="en-US"/>
           </a:p>
@@ -2386,7 +2393,7 @@
           <a:p>
             <a:fld id="{6B6B17E2-4AF4-494B-A352-10F781C30CF7}" type="datetimeFigureOut">
               <a:rPr lang="en-US" smtClean="0"/>
-              <a:t>11/7/2019</a:t>
+              <a:t>11/8/2019</a:t>
             </a:fld>
             <a:endParaRPr lang="en-US"/>
           </a:p>
@@ -2674,7 +2681,7 @@
           <a:p>
             <a:fld id="{6B6B17E2-4AF4-494B-A352-10F781C30CF7}" type="datetimeFigureOut">
               <a:rPr lang="en-US" smtClean="0"/>
-              <a:t>11/7/2019</a:t>
+              <a:t>11/8/2019</a:t>
             </a:fld>
             <a:endParaRPr lang="en-US"/>
           </a:p>
@@ -2915,7 +2922,7 @@
           <a:p>
             <a:fld id="{6B6B17E2-4AF4-494B-A352-10F781C30CF7}" type="datetimeFigureOut">
               <a:rPr lang="en-US" smtClean="0"/>
-              <a:t>11/7/2019</a:t>
+              <a:t>11/8/2019</a:t>
             </a:fld>
             <a:endParaRPr lang="en-US"/>
           </a:p>
@@ -3849,6 +3856,1135 @@
           <p:cNvPr id="2" name="Title 1">
             <a:extLst>
               <a:ext uri="{FF2B5EF4-FFF2-40B4-BE49-F238E27FC236}">
+                <a16:creationId xmlns:a16="http://schemas.microsoft.com/office/drawing/2014/main" id="{63D81837-86D0-4A54-93CE-D0320414A9FF}"/>
+              </a:ext>
+            </a:extLst>
+          </p:cNvPr>
+          <p:cNvSpPr>
+            <a:spLocks noGrp="1"/>
+          </p:cNvSpPr>
+          <p:nvPr>
+            <p:ph type="title"/>
+          </p:nvPr>
+        </p:nvSpPr>
+        <p:spPr>
+          <a:xfrm>
+            <a:off x="0" y="0"/>
+            <a:ext cx="10515600" cy="775306"/>
+          </a:xfrm>
+        </p:spPr>
+        <p:txBody>
+          <a:bodyPr/>
+          <a:lstStyle/>
+          <a:p>
+            <a:r>
+              <a:rPr lang="en-US" dirty="0"/>
+              <a:t>Random Forest</a:t>
+            </a:r>
+          </a:p>
+        </p:txBody>
+      </p:sp>
+      <p:sp>
+        <p:nvSpPr>
+          <p:cNvPr id="3" name="Content Placeholder 2">
+            <a:extLst>
+              <a:ext uri="{FF2B5EF4-FFF2-40B4-BE49-F238E27FC236}">
+                <a16:creationId xmlns:a16="http://schemas.microsoft.com/office/drawing/2014/main" id="{C1EACD07-56E1-4698-8EAA-49F80465260E}"/>
+              </a:ext>
+            </a:extLst>
+          </p:cNvPr>
+          <p:cNvSpPr>
+            <a:spLocks noGrp="1"/>
+          </p:cNvSpPr>
+          <p:nvPr>
+            <p:ph idx="1"/>
+          </p:nvPr>
+        </p:nvSpPr>
+        <p:spPr>
+          <a:xfrm>
+            <a:off x="0" y="775306"/>
+            <a:ext cx="12192000" cy="6082694"/>
+          </a:xfrm>
+        </p:spPr>
+        <p:txBody>
+          <a:bodyPr/>
+          <a:lstStyle/>
+          <a:p>
+            <a:r>
+              <a:rPr lang="en-US" dirty="0"/>
+              <a:t>Random forest is an ensemble learning method for classification and regression</a:t>
+            </a:r>
+          </a:p>
+          <a:p>
+            <a:r>
+              <a:rPr lang="en-US" dirty="0"/>
+              <a:t>Constructs a multitude of decision trees using bagging (default is 100 in </a:t>
+            </a:r>
+            <a:r>
+              <a:rPr lang="en-US" dirty="0" err="1"/>
+              <a:t>sklearn</a:t>
+            </a:r>
+            <a:r>
+              <a:rPr lang="en-US" dirty="0"/>
+              <a:t>)</a:t>
+            </a:r>
+          </a:p>
+          <a:p>
+            <a:r>
+              <a:rPr lang="en-US" dirty="0"/>
+              <a:t>Selects random subset of features to split on at each node (feature bagging)</a:t>
+            </a:r>
+          </a:p>
+          <a:p>
+            <a:r>
+              <a:rPr lang="en-US" dirty="0"/>
+              <a:t>Combines predictions using </a:t>
+            </a:r>
+            <a:r>
+              <a:rPr lang="en-US" i="1" dirty="0"/>
+              <a:t>mode</a:t>
+            </a:r>
+            <a:r>
+              <a:rPr lang="en-US" dirty="0"/>
+              <a:t> (most often occurring class across all trees) to generate classification</a:t>
+            </a:r>
+          </a:p>
+          <a:p>
+            <a:r>
+              <a:rPr lang="en-US" sz="2000" dirty="0">
+                <a:hlinkClick r:id="rId2"/>
+              </a:rPr>
+              <a:t>https://scikit-learn.org/stable/modules/generated/sklearn.ensemble.RandomForestClassifier.html</a:t>
+            </a:r>
+            <a:endParaRPr lang="en-US" sz="2000" dirty="0"/>
+          </a:p>
+          <a:p>
+            <a:r>
+              <a:rPr lang="en-US" dirty="0"/>
+              <a:t>Parameters:</a:t>
+            </a:r>
+          </a:p>
+          <a:p>
+            <a:pPr lvl="1"/>
+            <a:r>
+              <a:rPr lang="en-US" b="1" dirty="0" err="1"/>
+              <a:t>n_estimators</a:t>
+            </a:r>
+            <a:r>
+              <a:rPr lang="en-US" b="1" dirty="0"/>
+              <a:t> </a:t>
+            </a:r>
+            <a:r>
+              <a:rPr lang="en-US" dirty="0"/>
+              <a:t>(number of trees in forest)</a:t>
+            </a:r>
+          </a:p>
+          <a:p>
+            <a:pPr lvl="1"/>
+            <a:r>
+              <a:rPr lang="en-US" b="1" dirty="0"/>
+              <a:t>criterion</a:t>
+            </a:r>
+            <a:r>
+              <a:rPr lang="en-US" dirty="0"/>
+              <a:t> (</a:t>
+            </a:r>
+            <a:r>
+              <a:rPr lang="en-US" dirty="0" err="1"/>
+              <a:t>gini</a:t>
+            </a:r>
+            <a:r>
+              <a:rPr lang="en-US" dirty="0"/>
+              <a:t> or entropy)</a:t>
+            </a:r>
+          </a:p>
+          <a:p>
+            <a:pPr lvl="1"/>
+            <a:r>
+              <a:rPr lang="en-US" b="1" dirty="0" err="1"/>
+              <a:t>max_depth</a:t>
+            </a:r>
+            <a:r>
+              <a:rPr lang="en-US" b="1" dirty="0"/>
+              <a:t> </a:t>
+            </a:r>
+            <a:r>
+              <a:rPr lang="en-US" dirty="0"/>
+              <a:t>(maximum depth of each tree in forest)</a:t>
+            </a:r>
+          </a:p>
+          <a:p>
+            <a:pPr lvl="1"/>
+            <a:r>
+              <a:rPr lang="en-US" b="1" dirty="0" err="1"/>
+              <a:t>max_features</a:t>
+            </a:r>
+            <a:r>
+              <a:rPr lang="en-US" b="1" dirty="0"/>
+              <a:t> </a:t>
+            </a:r>
+            <a:r>
+              <a:rPr lang="en-US" dirty="0"/>
+              <a:t>(number of features to consider when looking for best split)</a:t>
+            </a:r>
+          </a:p>
+          <a:p>
+            <a:pPr lvl="1"/>
+            <a:r>
+              <a:rPr lang="en-US" b="1" dirty="0"/>
+              <a:t>bootstrap </a:t>
+            </a:r>
+            <a:r>
+              <a:rPr lang="en-US" dirty="0"/>
+              <a:t>(true or false) – default true</a:t>
+            </a:r>
+          </a:p>
+        </p:txBody>
+      </p:sp>
+      <p:sp>
+        <p:nvSpPr>
+          <p:cNvPr id="4" name="Oval 3">
+            <a:extLst>
+              <a:ext uri="{FF2B5EF4-FFF2-40B4-BE49-F238E27FC236}">
+                <a16:creationId xmlns:a16="http://schemas.microsoft.com/office/drawing/2014/main" id="{57624FE3-B1CA-4B68-8E10-A48D87BEA619}"/>
+              </a:ext>
+            </a:extLst>
+          </p:cNvPr>
+          <p:cNvSpPr/>
+          <p:nvPr/>
+        </p:nvSpPr>
+        <p:spPr>
+          <a:xfrm>
+            <a:off x="6096000" y="6123398"/>
+            <a:ext cx="2277438" cy="472611"/>
+          </a:xfrm>
+          <a:prstGeom prst="ellipse">
+            <a:avLst/>
+          </a:prstGeom>
+        </p:spPr>
+        <p:style>
+          <a:lnRef idx="2">
+            <a:schemeClr val="accent1">
+              <a:shade val="50000"/>
+            </a:schemeClr>
+          </a:lnRef>
+          <a:fillRef idx="1">
+            <a:schemeClr val="accent1"/>
+          </a:fillRef>
+          <a:effectRef idx="0">
+            <a:schemeClr val="accent1"/>
+          </a:effectRef>
+          <a:fontRef idx="minor">
+            <a:schemeClr val="lt1"/>
+          </a:fontRef>
+        </p:style>
+        <p:txBody>
+          <a:bodyPr rtlCol="0" anchor="ctr"/>
+          <a:lstStyle/>
+          <a:p>
+            <a:pPr algn="ctr"/>
+            <a:r>
+              <a:rPr lang="en-US" dirty="0"/>
+              <a:t>bagging</a:t>
+            </a:r>
+          </a:p>
+        </p:txBody>
+      </p:sp>
+      <p:sp>
+        <p:nvSpPr>
+          <p:cNvPr id="5" name="Oval 4">
+            <a:extLst>
+              <a:ext uri="{FF2B5EF4-FFF2-40B4-BE49-F238E27FC236}">
+                <a16:creationId xmlns:a16="http://schemas.microsoft.com/office/drawing/2014/main" id="{26F77C61-BE0D-4177-BB10-4DD15F5560CC}"/>
+              </a:ext>
+            </a:extLst>
+          </p:cNvPr>
+          <p:cNvSpPr/>
+          <p:nvPr/>
+        </p:nvSpPr>
+        <p:spPr>
+          <a:xfrm>
+            <a:off x="9770724" y="5861407"/>
+            <a:ext cx="2198669" cy="559941"/>
+          </a:xfrm>
+          <a:prstGeom prst="ellipse">
+            <a:avLst/>
+          </a:prstGeom>
+        </p:spPr>
+        <p:style>
+          <a:lnRef idx="2">
+            <a:schemeClr val="accent1">
+              <a:shade val="50000"/>
+            </a:schemeClr>
+          </a:lnRef>
+          <a:fillRef idx="1">
+            <a:schemeClr val="accent1"/>
+          </a:fillRef>
+          <a:effectRef idx="0">
+            <a:schemeClr val="accent1"/>
+          </a:effectRef>
+          <a:fontRef idx="minor">
+            <a:schemeClr val="lt1"/>
+          </a:fontRef>
+        </p:style>
+        <p:txBody>
+          <a:bodyPr rtlCol="0" anchor="ctr"/>
+          <a:lstStyle/>
+          <a:p>
+            <a:pPr algn="ctr"/>
+            <a:r>
+              <a:rPr lang="en-US" dirty="0"/>
+              <a:t>randomization</a:t>
+            </a:r>
+          </a:p>
+        </p:txBody>
+      </p:sp>
+      <p:cxnSp>
+        <p:nvCxnSpPr>
+          <p:cNvPr id="7" name="Straight Arrow Connector 6">
+            <a:extLst>
+              <a:ext uri="{FF2B5EF4-FFF2-40B4-BE49-F238E27FC236}">
+                <a16:creationId xmlns:a16="http://schemas.microsoft.com/office/drawing/2014/main" id="{E7490A98-A683-4137-A9F2-147AC0FA167F}"/>
+              </a:ext>
+            </a:extLst>
+          </p:cNvPr>
+          <p:cNvCxnSpPr>
+            <a:stCxn id="4" idx="1"/>
+          </p:cNvCxnSpPr>
+          <p:nvPr/>
+        </p:nvCxnSpPr>
+        <p:spPr>
+          <a:xfrm flipH="1" flipV="1">
+            <a:off x="5661061" y="5861407"/>
+            <a:ext cx="768462" cy="331203"/>
+          </a:xfrm>
+          <a:prstGeom prst="straightConnector1">
+            <a:avLst/>
+          </a:prstGeom>
+          <a:ln>
+            <a:tailEnd type="triangle"/>
+          </a:ln>
+        </p:spPr>
+        <p:style>
+          <a:lnRef idx="1">
+            <a:schemeClr val="accent1"/>
+          </a:lnRef>
+          <a:fillRef idx="0">
+            <a:schemeClr val="accent1"/>
+          </a:fillRef>
+          <a:effectRef idx="0">
+            <a:schemeClr val="accent1"/>
+          </a:effectRef>
+          <a:fontRef idx="minor">
+            <a:schemeClr val="tx1"/>
+          </a:fontRef>
+        </p:style>
+      </p:cxnSp>
+      <p:cxnSp>
+        <p:nvCxnSpPr>
+          <p:cNvPr id="9" name="Straight Arrow Connector 8">
+            <a:extLst>
+              <a:ext uri="{FF2B5EF4-FFF2-40B4-BE49-F238E27FC236}">
+                <a16:creationId xmlns:a16="http://schemas.microsoft.com/office/drawing/2014/main" id="{CA7632E1-D92E-4034-BC30-47057FE4C071}"/>
+              </a:ext>
+            </a:extLst>
+          </p:cNvPr>
+          <p:cNvCxnSpPr>
+            <a:stCxn id="5" idx="1"/>
+          </p:cNvCxnSpPr>
+          <p:nvPr/>
+        </p:nvCxnSpPr>
+        <p:spPr>
+          <a:xfrm flipH="1" flipV="1">
+            <a:off x="9698804" y="5671335"/>
+            <a:ext cx="393908" cy="272073"/>
+          </a:xfrm>
+          <a:prstGeom prst="straightConnector1">
+            <a:avLst/>
+          </a:prstGeom>
+          <a:ln>
+            <a:tailEnd type="triangle"/>
+          </a:ln>
+        </p:spPr>
+        <p:style>
+          <a:lnRef idx="1">
+            <a:schemeClr val="accent1"/>
+          </a:lnRef>
+          <a:fillRef idx="0">
+            <a:schemeClr val="accent1"/>
+          </a:fillRef>
+          <a:effectRef idx="0">
+            <a:schemeClr val="accent1"/>
+          </a:effectRef>
+          <a:fontRef idx="minor">
+            <a:schemeClr val="tx1"/>
+          </a:fontRef>
+        </p:style>
+      </p:cxnSp>
+    </p:spTree>
+    <p:extLst>
+      <p:ext uri="{BB962C8B-B14F-4D97-AF65-F5344CB8AC3E}">
+        <p14:creationId xmlns:p14="http://schemas.microsoft.com/office/powerpoint/2010/main" val="1999218906"/>
+      </p:ext>
+    </p:extLst>
+  </p:cSld>
+  <p:clrMapOvr>
+    <a:masterClrMapping/>
+  </p:clrMapOvr>
+  <p:timing>
+    <p:tnLst>
+      <p:par>
+        <p:cTn id="1" dur="indefinite" restart="never" nodeType="tmRoot">
+          <p:childTnLst>
+            <p:seq concurrent="1" nextAc="seek">
+              <p:cTn id="2" dur="indefinite" nodeType="mainSeq">
+                <p:childTnLst>
+                  <p:par>
+                    <p:cTn id="3" fill="hold">
+                      <p:stCondLst>
+                        <p:cond delay="indefinite"/>
+                      </p:stCondLst>
+                      <p:childTnLst>
+                        <p:par>
+                          <p:cTn id="4" fill="hold">
+                            <p:stCondLst>
+                              <p:cond delay="0"/>
+                            </p:stCondLst>
+                            <p:childTnLst>
+                              <p:par>
+                                <p:cTn id="5" presetID="1" presetClass="entr" presetSubtype="0" fill="hold" grpId="0" nodeType="clickEffect">
+                                  <p:stCondLst>
+                                    <p:cond delay="0"/>
+                                  </p:stCondLst>
+                                  <p:childTnLst>
+                                    <p:set>
+                                      <p:cBhvr>
+                                        <p:cTn id="6" dur="1" fill="hold">
+                                          <p:stCondLst>
+                                            <p:cond delay="0"/>
+                                          </p:stCondLst>
+                                        </p:cTn>
+                                        <p:tgtEl>
+                                          <p:spTgt spid="3">
+                                            <p:txEl>
+                                              <p:pRg st="0" end="0"/>
+                                            </p:txEl>
+                                          </p:spTgt>
+                                        </p:tgtEl>
+                                        <p:attrNameLst>
+                                          <p:attrName>style.visibility</p:attrName>
+                                        </p:attrNameLst>
+                                      </p:cBhvr>
+                                      <p:to>
+                                        <p:strVal val="visible"/>
+                                      </p:to>
+                                    </p:set>
+                                  </p:childTnLst>
+                                </p:cTn>
+                              </p:par>
+                            </p:childTnLst>
+                          </p:cTn>
+                        </p:par>
+                      </p:childTnLst>
+                    </p:cTn>
+                  </p:par>
+                  <p:par>
+                    <p:cTn id="7" fill="hold">
+                      <p:stCondLst>
+                        <p:cond delay="indefinite"/>
+                      </p:stCondLst>
+                      <p:childTnLst>
+                        <p:par>
+                          <p:cTn id="8" fill="hold">
+                            <p:stCondLst>
+                              <p:cond delay="0"/>
+                            </p:stCondLst>
+                            <p:childTnLst>
+                              <p:par>
+                                <p:cTn id="9" presetID="1" presetClass="entr" presetSubtype="0" fill="hold" grpId="0" nodeType="clickEffect">
+                                  <p:stCondLst>
+                                    <p:cond delay="0"/>
+                                  </p:stCondLst>
+                                  <p:childTnLst>
+                                    <p:set>
+                                      <p:cBhvr>
+                                        <p:cTn id="10" dur="1" fill="hold">
+                                          <p:stCondLst>
+                                            <p:cond delay="0"/>
+                                          </p:stCondLst>
+                                        </p:cTn>
+                                        <p:tgtEl>
+                                          <p:spTgt spid="3">
+                                            <p:txEl>
+                                              <p:pRg st="1" end="1"/>
+                                            </p:txEl>
+                                          </p:spTgt>
+                                        </p:tgtEl>
+                                        <p:attrNameLst>
+                                          <p:attrName>style.visibility</p:attrName>
+                                        </p:attrNameLst>
+                                      </p:cBhvr>
+                                      <p:to>
+                                        <p:strVal val="visible"/>
+                                      </p:to>
+                                    </p:set>
+                                  </p:childTnLst>
+                                </p:cTn>
+                              </p:par>
+                            </p:childTnLst>
+                          </p:cTn>
+                        </p:par>
+                      </p:childTnLst>
+                    </p:cTn>
+                  </p:par>
+                  <p:par>
+                    <p:cTn id="11" fill="hold">
+                      <p:stCondLst>
+                        <p:cond delay="indefinite"/>
+                      </p:stCondLst>
+                      <p:childTnLst>
+                        <p:par>
+                          <p:cTn id="12" fill="hold">
+                            <p:stCondLst>
+                              <p:cond delay="0"/>
+                            </p:stCondLst>
+                            <p:childTnLst>
+                              <p:par>
+                                <p:cTn id="13" presetID="1" presetClass="entr" presetSubtype="0" fill="hold" grpId="0" nodeType="clickEffect">
+                                  <p:stCondLst>
+                                    <p:cond delay="0"/>
+                                  </p:stCondLst>
+                                  <p:childTnLst>
+                                    <p:set>
+                                      <p:cBhvr>
+                                        <p:cTn id="14" dur="1" fill="hold">
+                                          <p:stCondLst>
+                                            <p:cond delay="0"/>
+                                          </p:stCondLst>
+                                        </p:cTn>
+                                        <p:tgtEl>
+                                          <p:spTgt spid="3">
+                                            <p:txEl>
+                                              <p:pRg st="2" end="2"/>
+                                            </p:txEl>
+                                          </p:spTgt>
+                                        </p:tgtEl>
+                                        <p:attrNameLst>
+                                          <p:attrName>style.visibility</p:attrName>
+                                        </p:attrNameLst>
+                                      </p:cBhvr>
+                                      <p:to>
+                                        <p:strVal val="visible"/>
+                                      </p:to>
+                                    </p:set>
+                                  </p:childTnLst>
+                                </p:cTn>
+                              </p:par>
+                            </p:childTnLst>
+                          </p:cTn>
+                        </p:par>
+                      </p:childTnLst>
+                    </p:cTn>
+                  </p:par>
+                  <p:par>
+                    <p:cTn id="15" fill="hold">
+                      <p:stCondLst>
+                        <p:cond delay="indefinite"/>
+                      </p:stCondLst>
+                      <p:childTnLst>
+                        <p:par>
+                          <p:cTn id="16" fill="hold">
+                            <p:stCondLst>
+                              <p:cond delay="0"/>
+                            </p:stCondLst>
+                            <p:childTnLst>
+                              <p:par>
+                                <p:cTn id="17" presetID="1" presetClass="entr" presetSubtype="0" fill="hold" grpId="0" nodeType="clickEffect">
+                                  <p:stCondLst>
+                                    <p:cond delay="0"/>
+                                  </p:stCondLst>
+                                  <p:childTnLst>
+                                    <p:set>
+                                      <p:cBhvr>
+                                        <p:cTn id="18" dur="1" fill="hold">
+                                          <p:stCondLst>
+                                            <p:cond delay="0"/>
+                                          </p:stCondLst>
+                                        </p:cTn>
+                                        <p:tgtEl>
+                                          <p:spTgt spid="3">
+                                            <p:txEl>
+                                              <p:pRg st="3" end="3"/>
+                                            </p:txEl>
+                                          </p:spTgt>
+                                        </p:tgtEl>
+                                        <p:attrNameLst>
+                                          <p:attrName>style.visibility</p:attrName>
+                                        </p:attrNameLst>
+                                      </p:cBhvr>
+                                      <p:to>
+                                        <p:strVal val="visible"/>
+                                      </p:to>
+                                    </p:set>
+                                  </p:childTnLst>
+                                </p:cTn>
+                              </p:par>
+                            </p:childTnLst>
+                          </p:cTn>
+                        </p:par>
+                      </p:childTnLst>
+                    </p:cTn>
+                  </p:par>
+                  <p:par>
+                    <p:cTn id="19" fill="hold">
+                      <p:stCondLst>
+                        <p:cond delay="indefinite"/>
+                      </p:stCondLst>
+                      <p:childTnLst>
+                        <p:par>
+                          <p:cTn id="20" fill="hold">
+                            <p:stCondLst>
+                              <p:cond delay="0"/>
+                            </p:stCondLst>
+                            <p:childTnLst>
+                              <p:par>
+                                <p:cTn id="21" presetID="1" presetClass="entr" presetSubtype="0" fill="hold" grpId="0" nodeType="clickEffect">
+                                  <p:stCondLst>
+                                    <p:cond delay="0"/>
+                                  </p:stCondLst>
+                                  <p:childTnLst>
+                                    <p:set>
+                                      <p:cBhvr>
+                                        <p:cTn id="22" dur="1" fill="hold">
+                                          <p:stCondLst>
+                                            <p:cond delay="0"/>
+                                          </p:stCondLst>
+                                        </p:cTn>
+                                        <p:tgtEl>
+                                          <p:spTgt spid="3">
+                                            <p:txEl>
+                                              <p:pRg st="4" end="4"/>
+                                            </p:txEl>
+                                          </p:spTgt>
+                                        </p:tgtEl>
+                                        <p:attrNameLst>
+                                          <p:attrName>style.visibility</p:attrName>
+                                        </p:attrNameLst>
+                                      </p:cBhvr>
+                                      <p:to>
+                                        <p:strVal val="visible"/>
+                                      </p:to>
+                                    </p:set>
+                                  </p:childTnLst>
+                                </p:cTn>
+                              </p:par>
+                            </p:childTnLst>
+                          </p:cTn>
+                        </p:par>
+                      </p:childTnLst>
+                    </p:cTn>
+                  </p:par>
+                  <p:par>
+                    <p:cTn id="23" fill="hold">
+                      <p:stCondLst>
+                        <p:cond delay="indefinite"/>
+                      </p:stCondLst>
+                      <p:childTnLst>
+                        <p:par>
+                          <p:cTn id="24" fill="hold">
+                            <p:stCondLst>
+                              <p:cond delay="0"/>
+                            </p:stCondLst>
+                            <p:childTnLst>
+                              <p:par>
+                                <p:cTn id="25" presetID="1" presetClass="entr" presetSubtype="0" fill="hold" grpId="0" nodeType="clickEffect">
+                                  <p:stCondLst>
+                                    <p:cond delay="0"/>
+                                  </p:stCondLst>
+                                  <p:childTnLst>
+                                    <p:set>
+                                      <p:cBhvr>
+                                        <p:cTn id="26" dur="1" fill="hold">
+                                          <p:stCondLst>
+                                            <p:cond delay="0"/>
+                                          </p:stCondLst>
+                                        </p:cTn>
+                                        <p:tgtEl>
+                                          <p:spTgt spid="3">
+                                            <p:txEl>
+                                              <p:pRg st="5" end="5"/>
+                                            </p:txEl>
+                                          </p:spTgt>
+                                        </p:tgtEl>
+                                        <p:attrNameLst>
+                                          <p:attrName>style.visibility</p:attrName>
+                                        </p:attrNameLst>
+                                      </p:cBhvr>
+                                      <p:to>
+                                        <p:strVal val="visible"/>
+                                      </p:to>
+                                    </p:set>
+                                  </p:childTnLst>
+                                </p:cTn>
+                              </p:par>
+                              <p:par>
+                                <p:cTn id="27" presetID="1" presetClass="entr" presetSubtype="0" fill="hold" grpId="0" nodeType="withEffect">
+                                  <p:stCondLst>
+                                    <p:cond delay="0"/>
+                                  </p:stCondLst>
+                                  <p:childTnLst>
+                                    <p:set>
+                                      <p:cBhvr>
+                                        <p:cTn id="28" dur="1" fill="hold">
+                                          <p:stCondLst>
+                                            <p:cond delay="0"/>
+                                          </p:stCondLst>
+                                        </p:cTn>
+                                        <p:tgtEl>
+                                          <p:spTgt spid="3">
+                                            <p:txEl>
+                                              <p:pRg st="6" end="6"/>
+                                            </p:txEl>
+                                          </p:spTgt>
+                                        </p:tgtEl>
+                                        <p:attrNameLst>
+                                          <p:attrName>style.visibility</p:attrName>
+                                        </p:attrNameLst>
+                                      </p:cBhvr>
+                                      <p:to>
+                                        <p:strVal val="visible"/>
+                                      </p:to>
+                                    </p:set>
+                                  </p:childTnLst>
+                                </p:cTn>
+                              </p:par>
+                              <p:par>
+                                <p:cTn id="29" presetID="1" presetClass="entr" presetSubtype="0" fill="hold" grpId="0" nodeType="withEffect">
+                                  <p:stCondLst>
+                                    <p:cond delay="0"/>
+                                  </p:stCondLst>
+                                  <p:childTnLst>
+                                    <p:set>
+                                      <p:cBhvr>
+                                        <p:cTn id="30" dur="1" fill="hold">
+                                          <p:stCondLst>
+                                            <p:cond delay="0"/>
+                                          </p:stCondLst>
+                                        </p:cTn>
+                                        <p:tgtEl>
+                                          <p:spTgt spid="3">
+                                            <p:txEl>
+                                              <p:pRg st="7" end="7"/>
+                                            </p:txEl>
+                                          </p:spTgt>
+                                        </p:tgtEl>
+                                        <p:attrNameLst>
+                                          <p:attrName>style.visibility</p:attrName>
+                                        </p:attrNameLst>
+                                      </p:cBhvr>
+                                      <p:to>
+                                        <p:strVal val="visible"/>
+                                      </p:to>
+                                    </p:set>
+                                  </p:childTnLst>
+                                </p:cTn>
+                              </p:par>
+                              <p:par>
+                                <p:cTn id="31" presetID="1" presetClass="entr" presetSubtype="0" fill="hold" grpId="0" nodeType="withEffect">
+                                  <p:stCondLst>
+                                    <p:cond delay="0"/>
+                                  </p:stCondLst>
+                                  <p:childTnLst>
+                                    <p:set>
+                                      <p:cBhvr>
+                                        <p:cTn id="32" dur="1" fill="hold">
+                                          <p:stCondLst>
+                                            <p:cond delay="0"/>
+                                          </p:stCondLst>
+                                        </p:cTn>
+                                        <p:tgtEl>
+                                          <p:spTgt spid="3">
+                                            <p:txEl>
+                                              <p:pRg st="8" end="8"/>
+                                            </p:txEl>
+                                          </p:spTgt>
+                                        </p:tgtEl>
+                                        <p:attrNameLst>
+                                          <p:attrName>style.visibility</p:attrName>
+                                        </p:attrNameLst>
+                                      </p:cBhvr>
+                                      <p:to>
+                                        <p:strVal val="visible"/>
+                                      </p:to>
+                                    </p:set>
+                                  </p:childTnLst>
+                                </p:cTn>
+                              </p:par>
+                              <p:par>
+                                <p:cTn id="33" presetID="1" presetClass="entr" presetSubtype="0" fill="hold" grpId="0" nodeType="withEffect">
+                                  <p:stCondLst>
+                                    <p:cond delay="0"/>
+                                  </p:stCondLst>
+                                  <p:childTnLst>
+                                    <p:set>
+                                      <p:cBhvr>
+                                        <p:cTn id="34" dur="1" fill="hold">
+                                          <p:stCondLst>
+                                            <p:cond delay="0"/>
+                                          </p:stCondLst>
+                                        </p:cTn>
+                                        <p:tgtEl>
+                                          <p:spTgt spid="3">
+                                            <p:txEl>
+                                              <p:pRg st="9" end="9"/>
+                                            </p:txEl>
+                                          </p:spTgt>
+                                        </p:tgtEl>
+                                        <p:attrNameLst>
+                                          <p:attrName>style.visibility</p:attrName>
+                                        </p:attrNameLst>
+                                      </p:cBhvr>
+                                      <p:to>
+                                        <p:strVal val="visible"/>
+                                      </p:to>
+                                    </p:set>
+                                  </p:childTnLst>
+                                </p:cTn>
+                              </p:par>
+                              <p:par>
+                                <p:cTn id="35" presetID="1" presetClass="entr" presetSubtype="0" fill="hold" grpId="0" nodeType="withEffect">
+                                  <p:stCondLst>
+                                    <p:cond delay="0"/>
+                                  </p:stCondLst>
+                                  <p:childTnLst>
+                                    <p:set>
+                                      <p:cBhvr>
+                                        <p:cTn id="36" dur="1" fill="hold">
+                                          <p:stCondLst>
+                                            <p:cond delay="0"/>
+                                          </p:stCondLst>
+                                        </p:cTn>
+                                        <p:tgtEl>
+                                          <p:spTgt spid="3">
+                                            <p:txEl>
+                                              <p:pRg st="10" end="10"/>
+                                            </p:txEl>
+                                          </p:spTgt>
+                                        </p:tgtEl>
+                                        <p:attrNameLst>
+                                          <p:attrName>style.visibility</p:attrName>
+                                        </p:attrNameLst>
+                                      </p:cBhvr>
+                                      <p:to>
+                                        <p:strVal val="visible"/>
+                                      </p:to>
+                                    </p:set>
+                                  </p:childTnLst>
+                                </p:cTn>
+                              </p:par>
+                            </p:childTnLst>
+                          </p:cTn>
+                        </p:par>
+                      </p:childTnLst>
+                    </p:cTn>
+                  </p:par>
+                  <p:par>
+                    <p:cTn id="37" fill="hold">
+                      <p:stCondLst>
+                        <p:cond delay="indefinite"/>
+                      </p:stCondLst>
+                      <p:childTnLst>
+                        <p:par>
+                          <p:cTn id="38" fill="hold">
+                            <p:stCondLst>
+                              <p:cond delay="0"/>
+                            </p:stCondLst>
+                            <p:childTnLst>
+                              <p:par>
+                                <p:cTn id="39" presetID="1" presetClass="entr" presetSubtype="0" fill="hold" grpId="0" nodeType="clickEffect">
+                                  <p:stCondLst>
+                                    <p:cond delay="0"/>
+                                  </p:stCondLst>
+                                  <p:childTnLst>
+                                    <p:set>
+                                      <p:cBhvr>
+                                        <p:cTn id="40" dur="1" fill="hold">
+                                          <p:stCondLst>
+                                            <p:cond delay="0"/>
+                                          </p:stCondLst>
+                                        </p:cTn>
+                                        <p:tgtEl>
+                                          <p:spTgt spid="4"/>
+                                        </p:tgtEl>
+                                        <p:attrNameLst>
+                                          <p:attrName>style.visibility</p:attrName>
+                                        </p:attrNameLst>
+                                      </p:cBhvr>
+                                      <p:to>
+                                        <p:strVal val="visible"/>
+                                      </p:to>
+                                    </p:set>
+                                  </p:childTnLst>
+                                </p:cTn>
+                              </p:par>
+                              <p:par>
+                                <p:cTn id="41" presetID="1" presetClass="entr" presetSubtype="0" fill="hold" nodeType="withEffect">
+                                  <p:stCondLst>
+                                    <p:cond delay="0"/>
+                                  </p:stCondLst>
+                                  <p:childTnLst>
+                                    <p:set>
+                                      <p:cBhvr>
+                                        <p:cTn id="42" dur="1" fill="hold">
+                                          <p:stCondLst>
+                                            <p:cond delay="0"/>
+                                          </p:stCondLst>
+                                        </p:cTn>
+                                        <p:tgtEl>
+                                          <p:spTgt spid="7"/>
+                                        </p:tgtEl>
+                                        <p:attrNameLst>
+                                          <p:attrName>style.visibility</p:attrName>
+                                        </p:attrNameLst>
+                                      </p:cBhvr>
+                                      <p:to>
+                                        <p:strVal val="visible"/>
+                                      </p:to>
+                                    </p:set>
+                                  </p:childTnLst>
+                                </p:cTn>
+                              </p:par>
+                            </p:childTnLst>
+                          </p:cTn>
+                        </p:par>
+                      </p:childTnLst>
+                    </p:cTn>
+                  </p:par>
+                  <p:par>
+                    <p:cTn id="43" fill="hold">
+                      <p:stCondLst>
+                        <p:cond delay="indefinite"/>
+                      </p:stCondLst>
+                      <p:childTnLst>
+                        <p:par>
+                          <p:cTn id="44" fill="hold">
+                            <p:stCondLst>
+                              <p:cond delay="0"/>
+                            </p:stCondLst>
+                            <p:childTnLst>
+                              <p:par>
+                                <p:cTn id="45" presetID="1" presetClass="entr" presetSubtype="0" fill="hold" nodeType="clickEffect">
+                                  <p:stCondLst>
+                                    <p:cond delay="0"/>
+                                  </p:stCondLst>
+                                  <p:childTnLst>
+                                    <p:set>
+                                      <p:cBhvr>
+                                        <p:cTn id="46" dur="1" fill="hold">
+                                          <p:stCondLst>
+                                            <p:cond delay="0"/>
+                                          </p:stCondLst>
+                                        </p:cTn>
+                                        <p:tgtEl>
+                                          <p:spTgt spid="9"/>
+                                        </p:tgtEl>
+                                        <p:attrNameLst>
+                                          <p:attrName>style.visibility</p:attrName>
+                                        </p:attrNameLst>
+                                      </p:cBhvr>
+                                      <p:to>
+                                        <p:strVal val="visible"/>
+                                      </p:to>
+                                    </p:set>
+                                  </p:childTnLst>
+                                </p:cTn>
+                              </p:par>
+                              <p:par>
+                                <p:cTn id="47" presetID="1" presetClass="entr" presetSubtype="0" fill="hold" grpId="0" nodeType="withEffect">
+                                  <p:stCondLst>
+                                    <p:cond delay="0"/>
+                                  </p:stCondLst>
+                                  <p:childTnLst>
+                                    <p:set>
+                                      <p:cBhvr>
+                                        <p:cTn id="48" dur="1" fill="hold">
+                                          <p:stCondLst>
+                                            <p:cond delay="0"/>
+                                          </p:stCondLst>
+                                        </p:cTn>
+                                        <p:tgtEl>
+                                          <p:spTgt spid="5"/>
+                                        </p:tgtEl>
+                                        <p:attrNameLst>
+                                          <p:attrName>style.visibility</p:attrName>
+                                        </p:attrNameLst>
+                                      </p:cBhvr>
+                                      <p:to>
+                                        <p:strVal val="visible"/>
+                                      </p:to>
+                                    </p:set>
+                                  </p:childTnLst>
+                                </p:cTn>
+                              </p:par>
+                            </p:childTnLst>
+                          </p:cTn>
+                        </p:par>
+                      </p:childTnLst>
+                    </p:cTn>
+                  </p:par>
+                </p:childTnLst>
+              </p:cTn>
+              <p:prevCondLst>
+                <p:cond evt="onPrev" delay="0">
+                  <p:tgtEl>
+                    <p:sldTgt/>
+                  </p:tgtEl>
+                </p:cond>
+              </p:prevCondLst>
+              <p:nextCondLst>
+                <p:cond evt="onNext" delay="0">
+                  <p:tgtEl>
+                    <p:sldTgt/>
+                  </p:tgtEl>
+                </p:cond>
+              </p:nextCondLst>
+            </p:seq>
+          </p:childTnLst>
+        </p:cTn>
+      </p:par>
+    </p:tnLst>
+    <p:bldLst>
+      <p:bldP spid="3" grpId="0" build="p"/>
+      <p:bldP spid="4" grpId="0" animBg="1"/>
+      <p:bldP spid="5" grpId="0" animBg="1"/>
+    </p:bldLst>
+  </p:timing>
+</p:sld>
+</file>
+
+<file path=ppt/slides/slide12.xml><?xml version="1.0" encoding="utf-8"?>
+<p:sld xmlns:a="http://schemas.openxmlformats.org/drawingml/2006/main" xmlns:r="http://schemas.openxmlformats.org/officeDocument/2006/relationships" xmlns:p="http://schemas.openxmlformats.org/presentationml/2006/main">
+  <p:cSld>
+    <p:spTree>
+      <p:nvGrpSpPr>
+        <p:cNvPr id="1" name=""/>
+        <p:cNvGrpSpPr/>
+        <p:nvPr/>
+      </p:nvGrpSpPr>
+      <p:grpSpPr>
+        <a:xfrm>
+          <a:off x="0" y="0"/>
+          <a:ext cx="0" cy="0"/>
+          <a:chOff x="0" y="0"/>
+          <a:chExt cx="0" cy="0"/>
+        </a:xfrm>
+      </p:grpSpPr>
+      <p:sp>
+        <p:nvSpPr>
+          <p:cNvPr id="2" name="Title 1">
+            <a:extLst>
+              <a:ext uri="{FF2B5EF4-FFF2-40B4-BE49-F238E27FC236}">
+                <a16:creationId xmlns:a16="http://schemas.microsoft.com/office/drawing/2014/main" id="{094C599B-21FF-4A40-A6BE-371251A72108}"/>
+              </a:ext>
+            </a:extLst>
+          </p:cNvPr>
+          <p:cNvSpPr>
+            <a:spLocks noGrp="1"/>
+          </p:cNvSpPr>
+          <p:nvPr>
+            <p:ph type="title"/>
+          </p:nvPr>
+        </p:nvSpPr>
+        <p:spPr/>
+        <p:txBody>
+          <a:bodyPr/>
+          <a:lstStyle/>
+          <a:p>
+            <a:r>
+              <a:rPr lang="en-US" dirty="0"/>
+              <a:t>Example on final project</a:t>
+            </a:r>
+          </a:p>
+        </p:txBody>
+      </p:sp>
+      <p:sp>
+        <p:nvSpPr>
+          <p:cNvPr id="3" name="Content Placeholder 2">
+            <a:extLst>
+              <a:ext uri="{FF2B5EF4-FFF2-40B4-BE49-F238E27FC236}">
+                <a16:creationId xmlns:a16="http://schemas.microsoft.com/office/drawing/2014/main" id="{91694F7C-360B-4DC3-83B7-AE30DE9462AF}"/>
+              </a:ext>
+            </a:extLst>
+          </p:cNvPr>
+          <p:cNvSpPr>
+            <a:spLocks noGrp="1"/>
+          </p:cNvSpPr>
+          <p:nvPr>
+            <p:ph idx="1"/>
+          </p:nvPr>
+        </p:nvSpPr>
+        <p:spPr/>
+        <p:txBody>
+          <a:bodyPr/>
+          <a:lstStyle/>
+          <a:p>
+            <a:r>
+              <a:rPr lang="en-US" dirty="0"/>
+              <a:t>Decision tree classifier vs random forest</a:t>
+            </a:r>
+          </a:p>
+          <a:p>
+            <a:r>
+              <a:rPr lang="en-US" dirty="0"/>
+              <a:t>Class distribution</a:t>
+            </a:r>
+          </a:p>
+          <a:p>
+            <a:r>
+              <a:rPr lang="en-US" dirty="0"/>
+              <a:t>Cross validation</a:t>
+            </a:r>
+          </a:p>
+          <a:p>
+            <a:endParaRPr lang="en-US" dirty="0"/>
+          </a:p>
+        </p:txBody>
+      </p:sp>
+    </p:spTree>
+    <p:extLst>
+      <p:ext uri="{BB962C8B-B14F-4D97-AF65-F5344CB8AC3E}">
+        <p14:creationId xmlns:p14="http://schemas.microsoft.com/office/powerpoint/2010/main" val="195956536"/>
+      </p:ext>
+    </p:extLst>
+  </p:cSld>
+  <p:clrMapOvr>
+    <a:masterClrMapping/>
+  </p:clrMapOvr>
+</p:sld>
+</file>
+
+<file path=ppt/slides/slide13.xml><?xml version="1.0" encoding="utf-8"?>
+<p:sld xmlns:a="http://schemas.openxmlformats.org/drawingml/2006/main" xmlns:r="http://schemas.openxmlformats.org/officeDocument/2006/relationships" xmlns:p="http://schemas.openxmlformats.org/presentationml/2006/main">
+  <p:cSld>
+    <p:spTree>
+      <p:nvGrpSpPr>
+        <p:cNvPr id="1" name=""/>
+        <p:cNvGrpSpPr/>
+        <p:nvPr/>
+      </p:nvGrpSpPr>
+      <p:grpSpPr>
+        <a:xfrm>
+          <a:off x="0" y="0"/>
+          <a:ext cx="0" cy="0"/>
+          <a:chOff x="0" y="0"/>
+          <a:chExt cx="0" cy="0"/>
+        </a:xfrm>
+      </p:grpSpPr>
+      <p:sp>
+        <p:nvSpPr>
+          <p:cNvPr id="2" name="Title 1">
+            <a:extLst>
+              <a:ext uri="{FF2B5EF4-FFF2-40B4-BE49-F238E27FC236}">
                 <a16:creationId xmlns:a16="http://schemas.microsoft.com/office/drawing/2014/main" id="{B6892AAD-1523-408A-914A-BD53435CAA44}"/>
               </a:ext>
             </a:extLst>
@@ -3872,7 +5008,694 @@
           <a:p>
             <a:r>
               <a:rPr lang="en-US" dirty="0"/>
-              <a:t>Rotation forests</a:t>
+              <a:t>Bagging with costs</a:t>
+            </a:r>
+          </a:p>
+        </p:txBody>
+      </p:sp>
+      <p:sp>
+        <p:nvSpPr>
+          <p:cNvPr id="3" name="Content Placeholder 2">
+            <a:extLst>
+              <a:ext uri="{FF2B5EF4-FFF2-40B4-BE49-F238E27FC236}">
+                <a16:creationId xmlns:a16="http://schemas.microsoft.com/office/drawing/2014/main" id="{EEF167AB-67F2-4A95-9DC5-502BF91093B6}"/>
+              </a:ext>
+            </a:extLst>
+          </p:cNvPr>
+          <p:cNvSpPr>
+            <a:spLocks noGrp="1"/>
+          </p:cNvSpPr>
+          <p:nvPr>
+            <p:ph idx="1"/>
+          </p:nvPr>
+        </p:nvSpPr>
+        <p:spPr>
+          <a:xfrm>
+            <a:off x="-1" y="955497"/>
+            <a:ext cx="12191999" cy="5884247"/>
+          </a:xfrm>
+        </p:spPr>
+        <p:txBody>
+          <a:bodyPr>
+            <a:normAutofit lnSpcReduction="10000"/>
+          </a:bodyPr>
+          <a:lstStyle/>
+          <a:p>
+            <a:r>
+              <a:rPr lang="en-US" dirty="0"/>
+              <a:t>Bagging results can be improved by increasing diversity of ensemble by making learning scheme as unstable as possible while maintaining a minimum accuracy</a:t>
+            </a:r>
+          </a:p>
+          <a:p>
+            <a:r>
+              <a:rPr lang="en-US" dirty="0"/>
+              <a:t>Example: when learning ensemble of decision trees, switch off pruning, making them even more unstable</a:t>
+            </a:r>
+          </a:p>
+          <a:p>
+            <a:r>
+              <a:rPr lang="en-US" dirty="0"/>
+              <a:t>Further improvements by changing way predictions combined for classification:</a:t>
+            </a:r>
+          </a:p>
+          <a:p>
+            <a:pPr lvl="1"/>
+            <a:r>
+              <a:rPr lang="en-US" dirty="0"/>
+              <a:t>Bagging uses voting</a:t>
+            </a:r>
+          </a:p>
+          <a:p>
+            <a:pPr lvl="1"/>
+            <a:r>
+              <a:rPr lang="en-US" dirty="0"/>
+              <a:t>When models output probability estimates, can average these probabilities across models</a:t>
+            </a:r>
+          </a:p>
+          <a:p>
+            <a:pPr lvl="1"/>
+            <a:r>
+              <a:rPr lang="en-US" dirty="0"/>
+              <a:t>This improves classification slightly, and also allows us to assign probabilities</a:t>
+            </a:r>
+          </a:p>
+          <a:p>
+            <a:r>
+              <a:rPr lang="en-US" b="1" dirty="0" err="1"/>
+              <a:t>Metacost</a:t>
+            </a:r>
+            <a:r>
+              <a:rPr lang="en-US" b="1" dirty="0"/>
+              <a:t> </a:t>
+            </a:r>
+            <a:r>
+              <a:rPr lang="en-US" dirty="0"/>
+              <a:t>combines predictive benefits of bagging with cost-sensitive prediction:</a:t>
+            </a:r>
+          </a:p>
+          <a:p>
+            <a:r>
+              <a:rPr lang="en-US" dirty="0"/>
+              <a:t>1) build ensemble classifier using bagging</a:t>
+            </a:r>
+          </a:p>
+          <a:p>
+            <a:r>
+              <a:rPr lang="en-US" dirty="0"/>
+              <a:t>2) Use it to relabel training data by giving every training instance a prediction minimizing expected cost, based on probability estimates from bagging</a:t>
+            </a:r>
+          </a:p>
+          <a:p>
+            <a:r>
+              <a:rPr lang="en-US" dirty="0"/>
+              <a:t>3) discard original class labels and learn single new classifier from relabeled data</a:t>
+            </a:r>
+          </a:p>
+          <a:p>
+            <a:r>
+              <a:rPr lang="en-US" dirty="0"/>
+              <a:t>Result is a cost-sensitive classifier, costs have been built into class labels</a:t>
+            </a:r>
+          </a:p>
+        </p:txBody>
+      </p:sp>
+    </p:spTree>
+    <p:extLst>
+      <p:ext uri="{BB962C8B-B14F-4D97-AF65-F5344CB8AC3E}">
+        <p14:creationId xmlns:p14="http://schemas.microsoft.com/office/powerpoint/2010/main" val="2355424786"/>
+      </p:ext>
+    </p:extLst>
+  </p:cSld>
+  <p:clrMapOvr>
+    <a:masterClrMapping/>
+  </p:clrMapOvr>
+  <p:timing>
+    <p:tnLst>
+      <p:par>
+        <p:cTn id="1" dur="indefinite" restart="never" nodeType="tmRoot">
+          <p:childTnLst>
+            <p:seq concurrent="1" nextAc="seek">
+              <p:cTn id="2" dur="indefinite" nodeType="mainSeq">
+                <p:childTnLst>
+                  <p:par>
+                    <p:cTn id="3" fill="hold">
+                      <p:stCondLst>
+                        <p:cond delay="indefinite"/>
+                      </p:stCondLst>
+                      <p:childTnLst>
+                        <p:par>
+                          <p:cTn id="4" fill="hold">
+                            <p:stCondLst>
+                              <p:cond delay="0"/>
+                            </p:stCondLst>
+                            <p:childTnLst>
+                              <p:par>
+                                <p:cTn id="5" presetID="1" presetClass="entr" presetSubtype="0" fill="hold" grpId="0" nodeType="clickEffect">
+                                  <p:stCondLst>
+                                    <p:cond delay="0"/>
+                                  </p:stCondLst>
+                                  <p:childTnLst>
+                                    <p:set>
+                                      <p:cBhvr>
+                                        <p:cTn id="6" dur="1" fill="hold">
+                                          <p:stCondLst>
+                                            <p:cond delay="0"/>
+                                          </p:stCondLst>
+                                        </p:cTn>
+                                        <p:tgtEl>
+                                          <p:spTgt spid="3">
+                                            <p:txEl>
+                                              <p:pRg st="0" end="0"/>
+                                            </p:txEl>
+                                          </p:spTgt>
+                                        </p:tgtEl>
+                                        <p:attrNameLst>
+                                          <p:attrName>style.visibility</p:attrName>
+                                        </p:attrNameLst>
+                                      </p:cBhvr>
+                                      <p:to>
+                                        <p:strVal val="visible"/>
+                                      </p:to>
+                                    </p:set>
+                                  </p:childTnLst>
+                                </p:cTn>
+                              </p:par>
+                            </p:childTnLst>
+                          </p:cTn>
+                        </p:par>
+                      </p:childTnLst>
+                    </p:cTn>
+                  </p:par>
+                  <p:par>
+                    <p:cTn id="7" fill="hold">
+                      <p:stCondLst>
+                        <p:cond delay="indefinite"/>
+                      </p:stCondLst>
+                      <p:childTnLst>
+                        <p:par>
+                          <p:cTn id="8" fill="hold">
+                            <p:stCondLst>
+                              <p:cond delay="0"/>
+                            </p:stCondLst>
+                            <p:childTnLst>
+                              <p:par>
+                                <p:cTn id="9" presetID="1" presetClass="entr" presetSubtype="0" fill="hold" grpId="0" nodeType="clickEffect">
+                                  <p:stCondLst>
+                                    <p:cond delay="0"/>
+                                  </p:stCondLst>
+                                  <p:childTnLst>
+                                    <p:set>
+                                      <p:cBhvr>
+                                        <p:cTn id="10" dur="1" fill="hold">
+                                          <p:stCondLst>
+                                            <p:cond delay="0"/>
+                                          </p:stCondLst>
+                                        </p:cTn>
+                                        <p:tgtEl>
+                                          <p:spTgt spid="3">
+                                            <p:txEl>
+                                              <p:pRg st="1" end="1"/>
+                                            </p:txEl>
+                                          </p:spTgt>
+                                        </p:tgtEl>
+                                        <p:attrNameLst>
+                                          <p:attrName>style.visibility</p:attrName>
+                                        </p:attrNameLst>
+                                      </p:cBhvr>
+                                      <p:to>
+                                        <p:strVal val="visible"/>
+                                      </p:to>
+                                    </p:set>
+                                  </p:childTnLst>
+                                </p:cTn>
+                              </p:par>
+                            </p:childTnLst>
+                          </p:cTn>
+                        </p:par>
+                      </p:childTnLst>
+                    </p:cTn>
+                  </p:par>
+                  <p:par>
+                    <p:cTn id="11" fill="hold">
+                      <p:stCondLst>
+                        <p:cond delay="indefinite"/>
+                      </p:stCondLst>
+                      <p:childTnLst>
+                        <p:par>
+                          <p:cTn id="12" fill="hold">
+                            <p:stCondLst>
+                              <p:cond delay="0"/>
+                            </p:stCondLst>
+                            <p:childTnLst>
+                              <p:par>
+                                <p:cTn id="13" presetID="1" presetClass="entr" presetSubtype="0" fill="hold" grpId="0" nodeType="clickEffect">
+                                  <p:stCondLst>
+                                    <p:cond delay="0"/>
+                                  </p:stCondLst>
+                                  <p:childTnLst>
+                                    <p:set>
+                                      <p:cBhvr>
+                                        <p:cTn id="14" dur="1" fill="hold">
+                                          <p:stCondLst>
+                                            <p:cond delay="0"/>
+                                          </p:stCondLst>
+                                        </p:cTn>
+                                        <p:tgtEl>
+                                          <p:spTgt spid="3">
+                                            <p:txEl>
+                                              <p:pRg st="2" end="2"/>
+                                            </p:txEl>
+                                          </p:spTgt>
+                                        </p:tgtEl>
+                                        <p:attrNameLst>
+                                          <p:attrName>style.visibility</p:attrName>
+                                        </p:attrNameLst>
+                                      </p:cBhvr>
+                                      <p:to>
+                                        <p:strVal val="visible"/>
+                                      </p:to>
+                                    </p:set>
+                                  </p:childTnLst>
+                                </p:cTn>
+                              </p:par>
+                              <p:par>
+                                <p:cTn id="15" presetID="1" presetClass="entr" presetSubtype="0" fill="hold" grpId="0" nodeType="withEffect">
+                                  <p:stCondLst>
+                                    <p:cond delay="0"/>
+                                  </p:stCondLst>
+                                  <p:childTnLst>
+                                    <p:set>
+                                      <p:cBhvr>
+                                        <p:cTn id="16" dur="1" fill="hold">
+                                          <p:stCondLst>
+                                            <p:cond delay="0"/>
+                                          </p:stCondLst>
+                                        </p:cTn>
+                                        <p:tgtEl>
+                                          <p:spTgt spid="3">
+                                            <p:txEl>
+                                              <p:pRg st="3" end="3"/>
+                                            </p:txEl>
+                                          </p:spTgt>
+                                        </p:tgtEl>
+                                        <p:attrNameLst>
+                                          <p:attrName>style.visibility</p:attrName>
+                                        </p:attrNameLst>
+                                      </p:cBhvr>
+                                      <p:to>
+                                        <p:strVal val="visible"/>
+                                      </p:to>
+                                    </p:set>
+                                  </p:childTnLst>
+                                </p:cTn>
+                              </p:par>
+                              <p:par>
+                                <p:cTn id="17" presetID="1" presetClass="entr" presetSubtype="0" fill="hold" grpId="0" nodeType="withEffect">
+                                  <p:stCondLst>
+                                    <p:cond delay="0"/>
+                                  </p:stCondLst>
+                                  <p:childTnLst>
+                                    <p:set>
+                                      <p:cBhvr>
+                                        <p:cTn id="18" dur="1" fill="hold">
+                                          <p:stCondLst>
+                                            <p:cond delay="0"/>
+                                          </p:stCondLst>
+                                        </p:cTn>
+                                        <p:tgtEl>
+                                          <p:spTgt spid="3">
+                                            <p:txEl>
+                                              <p:pRg st="4" end="4"/>
+                                            </p:txEl>
+                                          </p:spTgt>
+                                        </p:tgtEl>
+                                        <p:attrNameLst>
+                                          <p:attrName>style.visibility</p:attrName>
+                                        </p:attrNameLst>
+                                      </p:cBhvr>
+                                      <p:to>
+                                        <p:strVal val="visible"/>
+                                      </p:to>
+                                    </p:set>
+                                  </p:childTnLst>
+                                </p:cTn>
+                              </p:par>
+                              <p:par>
+                                <p:cTn id="19" presetID="1" presetClass="entr" presetSubtype="0" fill="hold" grpId="0" nodeType="withEffect">
+                                  <p:stCondLst>
+                                    <p:cond delay="0"/>
+                                  </p:stCondLst>
+                                  <p:childTnLst>
+                                    <p:set>
+                                      <p:cBhvr>
+                                        <p:cTn id="20" dur="1" fill="hold">
+                                          <p:stCondLst>
+                                            <p:cond delay="0"/>
+                                          </p:stCondLst>
+                                        </p:cTn>
+                                        <p:tgtEl>
+                                          <p:spTgt spid="3">
+                                            <p:txEl>
+                                              <p:pRg st="5" end="5"/>
+                                            </p:txEl>
+                                          </p:spTgt>
+                                        </p:tgtEl>
+                                        <p:attrNameLst>
+                                          <p:attrName>style.visibility</p:attrName>
+                                        </p:attrNameLst>
+                                      </p:cBhvr>
+                                      <p:to>
+                                        <p:strVal val="visible"/>
+                                      </p:to>
+                                    </p:set>
+                                  </p:childTnLst>
+                                </p:cTn>
+                              </p:par>
+                            </p:childTnLst>
+                          </p:cTn>
+                        </p:par>
+                      </p:childTnLst>
+                    </p:cTn>
+                  </p:par>
+                  <p:par>
+                    <p:cTn id="21" fill="hold">
+                      <p:stCondLst>
+                        <p:cond delay="indefinite"/>
+                      </p:stCondLst>
+                      <p:childTnLst>
+                        <p:par>
+                          <p:cTn id="22" fill="hold">
+                            <p:stCondLst>
+                              <p:cond delay="0"/>
+                            </p:stCondLst>
+                            <p:childTnLst>
+                              <p:par>
+                                <p:cTn id="23" presetID="1" presetClass="entr" presetSubtype="0" fill="hold" grpId="0" nodeType="clickEffect">
+                                  <p:stCondLst>
+                                    <p:cond delay="0"/>
+                                  </p:stCondLst>
+                                  <p:childTnLst>
+                                    <p:set>
+                                      <p:cBhvr>
+                                        <p:cTn id="24" dur="1" fill="hold">
+                                          <p:stCondLst>
+                                            <p:cond delay="0"/>
+                                          </p:stCondLst>
+                                        </p:cTn>
+                                        <p:tgtEl>
+                                          <p:spTgt spid="3">
+                                            <p:txEl>
+                                              <p:pRg st="6" end="6"/>
+                                            </p:txEl>
+                                          </p:spTgt>
+                                        </p:tgtEl>
+                                        <p:attrNameLst>
+                                          <p:attrName>style.visibility</p:attrName>
+                                        </p:attrNameLst>
+                                      </p:cBhvr>
+                                      <p:to>
+                                        <p:strVal val="visible"/>
+                                      </p:to>
+                                    </p:set>
+                                  </p:childTnLst>
+                                </p:cTn>
+                              </p:par>
+                            </p:childTnLst>
+                          </p:cTn>
+                        </p:par>
+                      </p:childTnLst>
+                    </p:cTn>
+                  </p:par>
+                  <p:par>
+                    <p:cTn id="25" fill="hold">
+                      <p:stCondLst>
+                        <p:cond delay="indefinite"/>
+                      </p:stCondLst>
+                      <p:childTnLst>
+                        <p:par>
+                          <p:cTn id="26" fill="hold">
+                            <p:stCondLst>
+                              <p:cond delay="0"/>
+                            </p:stCondLst>
+                            <p:childTnLst>
+                              <p:par>
+                                <p:cTn id="27" presetID="1" presetClass="entr" presetSubtype="0" fill="hold" grpId="0" nodeType="clickEffect">
+                                  <p:stCondLst>
+                                    <p:cond delay="0"/>
+                                  </p:stCondLst>
+                                  <p:childTnLst>
+                                    <p:set>
+                                      <p:cBhvr>
+                                        <p:cTn id="28" dur="1" fill="hold">
+                                          <p:stCondLst>
+                                            <p:cond delay="0"/>
+                                          </p:stCondLst>
+                                        </p:cTn>
+                                        <p:tgtEl>
+                                          <p:spTgt spid="3">
+                                            <p:txEl>
+                                              <p:pRg st="7" end="7"/>
+                                            </p:txEl>
+                                          </p:spTgt>
+                                        </p:tgtEl>
+                                        <p:attrNameLst>
+                                          <p:attrName>style.visibility</p:attrName>
+                                        </p:attrNameLst>
+                                      </p:cBhvr>
+                                      <p:to>
+                                        <p:strVal val="visible"/>
+                                      </p:to>
+                                    </p:set>
+                                  </p:childTnLst>
+                                </p:cTn>
+                              </p:par>
+                            </p:childTnLst>
+                          </p:cTn>
+                        </p:par>
+                      </p:childTnLst>
+                    </p:cTn>
+                  </p:par>
+                  <p:par>
+                    <p:cTn id="29" fill="hold">
+                      <p:stCondLst>
+                        <p:cond delay="indefinite"/>
+                      </p:stCondLst>
+                      <p:childTnLst>
+                        <p:par>
+                          <p:cTn id="30" fill="hold">
+                            <p:stCondLst>
+                              <p:cond delay="0"/>
+                            </p:stCondLst>
+                            <p:childTnLst>
+                              <p:par>
+                                <p:cTn id="31" presetID="1" presetClass="entr" presetSubtype="0" fill="hold" grpId="0" nodeType="clickEffect">
+                                  <p:stCondLst>
+                                    <p:cond delay="0"/>
+                                  </p:stCondLst>
+                                  <p:childTnLst>
+                                    <p:set>
+                                      <p:cBhvr>
+                                        <p:cTn id="32" dur="1" fill="hold">
+                                          <p:stCondLst>
+                                            <p:cond delay="0"/>
+                                          </p:stCondLst>
+                                        </p:cTn>
+                                        <p:tgtEl>
+                                          <p:spTgt spid="3">
+                                            <p:txEl>
+                                              <p:pRg st="8" end="8"/>
+                                            </p:txEl>
+                                          </p:spTgt>
+                                        </p:tgtEl>
+                                        <p:attrNameLst>
+                                          <p:attrName>style.visibility</p:attrName>
+                                        </p:attrNameLst>
+                                      </p:cBhvr>
+                                      <p:to>
+                                        <p:strVal val="visible"/>
+                                      </p:to>
+                                    </p:set>
+                                  </p:childTnLst>
+                                </p:cTn>
+                              </p:par>
+                            </p:childTnLst>
+                          </p:cTn>
+                        </p:par>
+                      </p:childTnLst>
+                    </p:cTn>
+                  </p:par>
+                  <p:par>
+                    <p:cTn id="33" fill="hold">
+                      <p:stCondLst>
+                        <p:cond delay="indefinite"/>
+                      </p:stCondLst>
+                      <p:childTnLst>
+                        <p:par>
+                          <p:cTn id="34" fill="hold">
+                            <p:stCondLst>
+                              <p:cond delay="0"/>
+                            </p:stCondLst>
+                            <p:childTnLst>
+                              <p:par>
+                                <p:cTn id="35" presetID="1" presetClass="entr" presetSubtype="0" fill="hold" grpId="0" nodeType="clickEffect">
+                                  <p:stCondLst>
+                                    <p:cond delay="0"/>
+                                  </p:stCondLst>
+                                  <p:childTnLst>
+                                    <p:set>
+                                      <p:cBhvr>
+                                        <p:cTn id="36" dur="1" fill="hold">
+                                          <p:stCondLst>
+                                            <p:cond delay="0"/>
+                                          </p:stCondLst>
+                                        </p:cTn>
+                                        <p:tgtEl>
+                                          <p:spTgt spid="3">
+                                            <p:txEl>
+                                              <p:pRg st="9" end="9"/>
+                                            </p:txEl>
+                                          </p:spTgt>
+                                        </p:tgtEl>
+                                        <p:attrNameLst>
+                                          <p:attrName>style.visibility</p:attrName>
+                                        </p:attrNameLst>
+                                      </p:cBhvr>
+                                      <p:to>
+                                        <p:strVal val="visible"/>
+                                      </p:to>
+                                    </p:set>
+                                  </p:childTnLst>
+                                </p:cTn>
+                              </p:par>
+                            </p:childTnLst>
+                          </p:cTn>
+                        </p:par>
+                      </p:childTnLst>
+                    </p:cTn>
+                  </p:par>
+                  <p:par>
+                    <p:cTn id="37" fill="hold">
+                      <p:stCondLst>
+                        <p:cond delay="indefinite"/>
+                      </p:stCondLst>
+                      <p:childTnLst>
+                        <p:par>
+                          <p:cTn id="38" fill="hold">
+                            <p:stCondLst>
+                              <p:cond delay="0"/>
+                            </p:stCondLst>
+                            <p:childTnLst>
+                              <p:par>
+                                <p:cTn id="39" presetID="1" presetClass="entr" presetSubtype="0" fill="hold" grpId="0" nodeType="clickEffect">
+                                  <p:stCondLst>
+                                    <p:cond delay="0"/>
+                                  </p:stCondLst>
+                                  <p:childTnLst>
+                                    <p:set>
+                                      <p:cBhvr>
+                                        <p:cTn id="40" dur="1" fill="hold">
+                                          <p:stCondLst>
+                                            <p:cond delay="0"/>
+                                          </p:stCondLst>
+                                        </p:cTn>
+                                        <p:tgtEl>
+                                          <p:spTgt spid="3">
+                                            <p:txEl>
+                                              <p:pRg st="10" end="10"/>
+                                            </p:txEl>
+                                          </p:spTgt>
+                                        </p:tgtEl>
+                                        <p:attrNameLst>
+                                          <p:attrName>style.visibility</p:attrName>
+                                        </p:attrNameLst>
+                                      </p:cBhvr>
+                                      <p:to>
+                                        <p:strVal val="visible"/>
+                                      </p:to>
+                                    </p:set>
+                                  </p:childTnLst>
+                                </p:cTn>
+                              </p:par>
+                            </p:childTnLst>
+                          </p:cTn>
+                        </p:par>
+                      </p:childTnLst>
+                    </p:cTn>
+                  </p:par>
+                </p:childTnLst>
+              </p:cTn>
+              <p:prevCondLst>
+                <p:cond evt="onPrev" delay="0">
+                  <p:tgtEl>
+                    <p:sldTgt/>
+                  </p:tgtEl>
+                </p:cond>
+              </p:prevCondLst>
+              <p:nextCondLst>
+                <p:cond evt="onNext" delay="0">
+                  <p:tgtEl>
+                    <p:sldTgt/>
+                  </p:tgtEl>
+                </p:cond>
+              </p:nextCondLst>
+            </p:seq>
+          </p:childTnLst>
+        </p:cTn>
+      </p:par>
+    </p:tnLst>
+    <p:bldLst>
+      <p:bldP spid="3" grpId="0" build="p"/>
+    </p:bldLst>
+  </p:timing>
+</p:sld>
+</file>
+
+<file path=ppt/slides/slide14.xml><?xml version="1.0" encoding="utf-8"?>
+<p:sld xmlns:a="http://schemas.openxmlformats.org/drawingml/2006/main" xmlns:r="http://schemas.openxmlformats.org/officeDocument/2006/relationships" xmlns:p="http://schemas.openxmlformats.org/presentationml/2006/main">
+  <p:cSld>
+    <p:spTree>
+      <p:nvGrpSpPr>
+        <p:cNvPr id="1" name=""/>
+        <p:cNvGrpSpPr/>
+        <p:nvPr/>
+      </p:nvGrpSpPr>
+      <p:grpSpPr>
+        <a:xfrm>
+          <a:off x="0" y="0"/>
+          <a:ext cx="0" cy="0"/>
+          <a:chOff x="0" y="0"/>
+          <a:chExt cx="0" cy="0"/>
+        </a:xfrm>
+      </p:grpSpPr>
+      <p:sp>
+        <p:nvSpPr>
+          <p:cNvPr id="2" name="Title 1">
+            <a:extLst>
+              <a:ext uri="{FF2B5EF4-FFF2-40B4-BE49-F238E27FC236}">
+                <a16:creationId xmlns:a16="http://schemas.microsoft.com/office/drawing/2014/main" id="{B6892AAD-1523-408A-914A-BD53435CAA44}"/>
+              </a:ext>
+            </a:extLst>
+          </p:cNvPr>
+          <p:cNvSpPr>
+            <a:spLocks noGrp="1"/>
+          </p:cNvSpPr>
+          <p:nvPr>
+            <p:ph type="title"/>
+          </p:nvPr>
+        </p:nvSpPr>
+        <p:spPr>
+          <a:xfrm>
+            <a:off x="0" y="18256"/>
+            <a:ext cx="12192000" cy="865322"/>
+          </a:xfrm>
+        </p:spPr>
+        <p:txBody>
+          <a:bodyPr/>
+          <a:lstStyle/>
+          <a:p>
+            <a:r>
+              <a:rPr lang="en-US" dirty="0"/>
+              <a:t>Rotation Forest</a:t>
             </a:r>
           </a:p>
         </p:txBody>
@@ -4321,107 +6144,6 @@
 </p:sld>
 </file>
 
-<file path=ppt/slides/slide12.xml><?xml version="1.0" encoding="utf-8"?>
-<p:sld xmlns:a="http://schemas.openxmlformats.org/drawingml/2006/main" xmlns:r="http://schemas.openxmlformats.org/officeDocument/2006/relationships" xmlns:p="http://schemas.openxmlformats.org/presentationml/2006/main">
-  <p:cSld>
-    <p:spTree>
-      <p:nvGrpSpPr>
-        <p:cNvPr id="1" name=""/>
-        <p:cNvGrpSpPr/>
-        <p:nvPr/>
-      </p:nvGrpSpPr>
-      <p:grpSpPr>
-        <a:xfrm>
-          <a:off x="0" y="0"/>
-          <a:ext cx="0" cy="0"/>
-          <a:chOff x="0" y="0"/>
-          <a:chExt cx="0" cy="0"/>
-        </a:xfrm>
-      </p:grpSpPr>
-      <p:sp>
-        <p:nvSpPr>
-          <p:cNvPr id="2" name="Title 1">
-            <a:extLst>
-              <a:ext uri="{FF2B5EF4-FFF2-40B4-BE49-F238E27FC236}">
-                <a16:creationId xmlns:a16="http://schemas.microsoft.com/office/drawing/2014/main" id="{094C599B-21FF-4A40-A6BE-371251A72108}"/>
-              </a:ext>
-            </a:extLst>
-          </p:cNvPr>
-          <p:cNvSpPr>
-            <a:spLocks noGrp="1"/>
-          </p:cNvSpPr>
-          <p:nvPr>
-            <p:ph type="title"/>
-          </p:nvPr>
-        </p:nvSpPr>
-        <p:spPr/>
-        <p:txBody>
-          <a:bodyPr/>
-          <a:lstStyle/>
-          <a:p>
-            <a:r>
-              <a:rPr lang="en-US" dirty="0"/>
-              <a:t>Example on final project</a:t>
-            </a:r>
-          </a:p>
-        </p:txBody>
-      </p:sp>
-      <p:sp>
-        <p:nvSpPr>
-          <p:cNvPr id="3" name="Content Placeholder 2">
-            <a:extLst>
-              <a:ext uri="{FF2B5EF4-FFF2-40B4-BE49-F238E27FC236}">
-                <a16:creationId xmlns:a16="http://schemas.microsoft.com/office/drawing/2014/main" id="{91694F7C-360B-4DC3-83B7-AE30DE9462AF}"/>
-              </a:ext>
-            </a:extLst>
-          </p:cNvPr>
-          <p:cNvSpPr>
-            <a:spLocks noGrp="1"/>
-          </p:cNvSpPr>
-          <p:nvPr>
-            <p:ph idx="1"/>
-          </p:nvPr>
-        </p:nvSpPr>
-        <p:spPr/>
-        <p:txBody>
-          <a:bodyPr/>
-          <a:lstStyle/>
-          <a:p>
-            <a:r>
-              <a:rPr lang="en-US" dirty="0"/>
-              <a:t>Decision tree classifier vs random forest</a:t>
-            </a:r>
-          </a:p>
-          <a:p>
-            <a:r>
-              <a:rPr lang="en-US" dirty="0"/>
-              <a:t>Class distribution</a:t>
-            </a:r>
-          </a:p>
-          <a:p>
-            <a:r>
-              <a:rPr lang="en-US" dirty="0"/>
-              <a:t>Cross validation</a:t>
-            </a:r>
-          </a:p>
-          <a:p>
-            <a:endParaRPr lang="en-US" dirty="0"/>
-          </a:p>
-        </p:txBody>
-      </p:sp>
-    </p:spTree>
-    <p:extLst>
-      <p:ext uri="{BB962C8B-B14F-4D97-AF65-F5344CB8AC3E}">
-        <p14:creationId xmlns:p14="http://schemas.microsoft.com/office/powerpoint/2010/main" val="195956536"/>
-      </p:ext>
-    </p:extLst>
-  </p:cSld>
-  <p:clrMapOvr>
-    <a:masterClrMapping/>
-  </p:clrMapOvr>
-</p:sld>
-</file>
-
 <file path=ppt/slides/slide2.xml><?xml version="1.0" encoding="utf-8"?>
 <p:sld xmlns:a="http://schemas.openxmlformats.org/drawingml/2006/main" xmlns:r="http://schemas.openxmlformats.org/officeDocument/2006/relationships" xmlns:p="http://schemas.openxmlformats.org/presentationml/2006/main">
   <p:cSld>
@@ -4500,7 +6222,15 @@
           <a:p>
             <a:r>
               <a:rPr lang="en-US" dirty="0"/>
-              <a:t>Powerful way to improve performance of machine learning is combine predictions from multiple models</a:t>
+              <a:t>Powerful way to improve performance of machine learning is to </a:t>
+            </a:r>
+            <a:r>
+              <a:rPr lang="en-US" b="1" dirty="0"/>
+              <a:t>combine predictions from multiple model</a:t>
+            </a:r>
+            <a:r>
+              <a:rPr lang="en-US" dirty="0"/>
+              <a:t>s</a:t>
             </a:r>
           </a:p>
           <a:p>
@@ -4521,7 +6251,7 @@
             <a:pPr lvl="1"/>
             <a:r>
               <a:rPr lang="en-US" dirty="0"/>
-              <a:t>example: a set of decision trees rather than a single tree</a:t>
+              <a:t>example: a set of decision trees (forest) rather than a single tree</a:t>
             </a:r>
           </a:p>
           <a:p>
@@ -5225,7 +6955,7 @@
           <a:p>
             <a:r>
               <a:rPr lang="en-US" dirty="0"/>
-              <a:t>we combine the trees by having them each vote on a given test instance’s class</a:t>
+              <a:t>Combine the trees by having them each vote on a given test instance’s class</a:t>
             </a:r>
           </a:p>
           <a:p>
@@ -5238,6 +6968,12 @@
             <a:r>
               <a:rPr lang="en-US" dirty="0"/>
               <a:t>Combined classifier is rarely less accurate than classifier built from single dataset</a:t>
+            </a:r>
+          </a:p>
+          <a:p>
+            <a:r>
+              <a:rPr lang="en-US" dirty="0"/>
+              <a:t>Theoretical basis for this assumption?</a:t>
             </a:r>
           </a:p>
           <a:p>
@@ -5677,6 +7413,55 @@
                       </p:childTnLst>
                     </p:cTn>
                   </p:par>
+                  <p:par>
+                    <p:cTn id="35" fill="hold">
+                      <p:stCondLst>
+                        <p:cond delay="indefinite"/>
+                      </p:stCondLst>
+                      <p:childTnLst>
+                        <p:par>
+                          <p:cTn id="36" fill="hold">
+                            <p:stCondLst>
+                              <p:cond delay="0"/>
+                            </p:stCondLst>
+                            <p:childTnLst>
+                              <p:par>
+                                <p:cTn id="37" presetID="1" presetClass="entr" presetSubtype="0" fill="hold" grpId="0" nodeType="clickEffect">
+                                  <p:stCondLst>
+                                    <p:cond delay="0"/>
+                                  </p:stCondLst>
+                                  <p:childTnLst>
+                                    <p:set>
+                                      <p:cBhvr>
+                                        <p:cTn id="38" dur="1" fill="hold">
+                                          <p:stCondLst>
+                                            <p:cond delay="0"/>
+                                          </p:stCondLst>
+                                        </p:cTn>
+                                        <p:tgtEl>
+                                          <p:spTgt spid="3">
+                                            <p:txEl>
+                                              <p:pRg st="9" end="9"/>
+                                            </p:txEl>
+                                          </p:spTgt>
+                                        </p:tgtEl>
+                                        <p:attrNameLst>
+                                          <p:attrName>style.visibility</p:attrName>
+                                        </p:attrNameLst>
+                                      </p:cBhvr>
+                                      <p:to>
+                                        <p:strVal val="visible"/>
+                                      </p:to>
+                                    </p:set>
+                                  </p:childTnLst>
+                                </p:cTn>
+                              </p:par>
+                            </p:childTnLst>
+                          </p:cTn>
+                        </p:par>
+                      </p:childTnLst>
+                    </p:cTn>
+                  </p:par>
                 </p:childTnLst>
               </p:cTn>
               <p:prevCondLst>
@@ -5798,6 +7583,12 @@
           </a:p>
           <a:p>
             <a:r>
+              <a:rPr lang="en-US" b="1" dirty="0"/>
+              <a:t>Bias:</a:t>
+            </a:r>
+          </a:p>
+          <a:p>
+            <a:r>
               <a:rPr lang="en-US" dirty="0"/>
               <a:t>Suppose we have an infinite number of independent training sets of same size</a:t>
             </a:r>
@@ -5811,13 +7602,13 @@
           <a:p>
             <a:r>
               <a:rPr lang="en-US" dirty="0"/>
-              <a:t>Test instance processed by all classifiers, single answer determined by vote</a:t>
-            </a:r>
-          </a:p>
-          <a:p>
-            <a:r>
-              <a:rPr lang="en-US" dirty="0"/>
-              <a:t>Evaluate expected error rate by averaging the error of the combined classifier over infinite number of independently chosen test examples</a:t>
+              <a:t>Process test instance using all classifiers, single answer determined by vote</a:t>
+            </a:r>
+          </a:p>
+          <a:p>
+            <a:r>
+              <a:rPr lang="en-US" dirty="0"/>
+              <a:t>Evaluate expected error rate by getting the error of the combined classifier over infinite number of independently chosen test examples</a:t>
             </a:r>
           </a:p>
           <a:p>
@@ -5854,630 +7645,6 @@
     <p:extLst>
       <p:ext uri="{BB962C8B-B14F-4D97-AF65-F5344CB8AC3E}">
         <p14:creationId xmlns:p14="http://schemas.microsoft.com/office/powerpoint/2010/main" val="1249071034"/>
-      </p:ext>
-    </p:extLst>
-  </p:cSld>
-  <p:clrMapOvr>
-    <a:masterClrMapping/>
-  </p:clrMapOvr>
-  <p:timing>
-    <p:tnLst>
-      <p:par>
-        <p:cTn id="1" dur="indefinite" restart="never" nodeType="tmRoot">
-          <p:childTnLst>
-            <p:seq concurrent="1" nextAc="seek">
-              <p:cTn id="2" dur="indefinite" nodeType="mainSeq">
-                <p:childTnLst>
-                  <p:par>
-                    <p:cTn id="3" fill="hold">
-                      <p:stCondLst>
-                        <p:cond delay="indefinite"/>
-                      </p:stCondLst>
-                      <p:childTnLst>
-                        <p:par>
-                          <p:cTn id="4" fill="hold">
-                            <p:stCondLst>
-                              <p:cond delay="0"/>
-                            </p:stCondLst>
-                            <p:childTnLst>
-                              <p:par>
-                                <p:cTn id="5" presetID="1" presetClass="entr" presetSubtype="0" fill="hold" grpId="0" nodeType="clickEffect">
-                                  <p:stCondLst>
-                                    <p:cond delay="0"/>
-                                  </p:stCondLst>
-                                  <p:childTnLst>
-                                    <p:set>
-                                      <p:cBhvr>
-                                        <p:cTn id="6" dur="1" fill="hold">
-                                          <p:stCondLst>
-                                            <p:cond delay="0"/>
-                                          </p:stCondLst>
-                                        </p:cTn>
-                                        <p:tgtEl>
-                                          <p:spTgt spid="3">
-                                            <p:txEl>
-                                              <p:pRg st="0" end="0"/>
-                                            </p:txEl>
-                                          </p:spTgt>
-                                        </p:tgtEl>
-                                        <p:attrNameLst>
-                                          <p:attrName>style.visibility</p:attrName>
-                                        </p:attrNameLst>
-                                      </p:cBhvr>
-                                      <p:to>
-                                        <p:strVal val="visible"/>
-                                      </p:to>
-                                    </p:set>
-                                  </p:childTnLst>
-                                </p:cTn>
-                              </p:par>
-                            </p:childTnLst>
-                          </p:cTn>
-                        </p:par>
-                      </p:childTnLst>
-                    </p:cTn>
-                  </p:par>
-                  <p:par>
-                    <p:cTn id="7" fill="hold">
-                      <p:stCondLst>
-                        <p:cond delay="indefinite"/>
-                      </p:stCondLst>
-                      <p:childTnLst>
-                        <p:par>
-                          <p:cTn id="8" fill="hold">
-                            <p:stCondLst>
-                              <p:cond delay="0"/>
-                            </p:stCondLst>
-                            <p:childTnLst>
-                              <p:par>
-                                <p:cTn id="9" presetID="1" presetClass="entr" presetSubtype="0" fill="hold" grpId="0" nodeType="clickEffect">
-                                  <p:stCondLst>
-                                    <p:cond delay="0"/>
-                                  </p:stCondLst>
-                                  <p:childTnLst>
-                                    <p:set>
-                                      <p:cBhvr>
-                                        <p:cTn id="10" dur="1" fill="hold">
-                                          <p:stCondLst>
-                                            <p:cond delay="0"/>
-                                          </p:stCondLst>
-                                        </p:cTn>
-                                        <p:tgtEl>
-                                          <p:spTgt spid="3">
-                                            <p:txEl>
-                                              <p:pRg st="1" end="1"/>
-                                            </p:txEl>
-                                          </p:spTgt>
-                                        </p:tgtEl>
-                                        <p:attrNameLst>
-                                          <p:attrName>style.visibility</p:attrName>
-                                        </p:attrNameLst>
-                                      </p:cBhvr>
-                                      <p:to>
-                                        <p:strVal val="visible"/>
-                                      </p:to>
-                                    </p:set>
-                                  </p:childTnLst>
-                                </p:cTn>
-                              </p:par>
-                            </p:childTnLst>
-                          </p:cTn>
-                        </p:par>
-                      </p:childTnLst>
-                    </p:cTn>
-                  </p:par>
-                  <p:par>
-                    <p:cTn id="11" fill="hold">
-                      <p:stCondLst>
-                        <p:cond delay="indefinite"/>
-                      </p:stCondLst>
-                      <p:childTnLst>
-                        <p:par>
-                          <p:cTn id="12" fill="hold">
-                            <p:stCondLst>
-                              <p:cond delay="0"/>
-                            </p:stCondLst>
-                            <p:childTnLst>
-                              <p:par>
-                                <p:cTn id="13" presetID="1" presetClass="entr" presetSubtype="0" fill="hold" grpId="0" nodeType="clickEffect">
-                                  <p:stCondLst>
-                                    <p:cond delay="0"/>
-                                  </p:stCondLst>
-                                  <p:childTnLst>
-                                    <p:set>
-                                      <p:cBhvr>
-                                        <p:cTn id="14" dur="1" fill="hold">
-                                          <p:stCondLst>
-                                            <p:cond delay="0"/>
-                                          </p:stCondLst>
-                                        </p:cTn>
-                                        <p:tgtEl>
-                                          <p:spTgt spid="3">
-                                            <p:txEl>
-                                              <p:pRg st="2" end="2"/>
-                                            </p:txEl>
-                                          </p:spTgt>
-                                        </p:tgtEl>
-                                        <p:attrNameLst>
-                                          <p:attrName>style.visibility</p:attrName>
-                                        </p:attrNameLst>
-                                      </p:cBhvr>
-                                      <p:to>
-                                        <p:strVal val="visible"/>
-                                      </p:to>
-                                    </p:set>
-                                  </p:childTnLst>
-                                </p:cTn>
-                              </p:par>
-                            </p:childTnLst>
-                          </p:cTn>
-                        </p:par>
-                      </p:childTnLst>
-                    </p:cTn>
-                  </p:par>
-                  <p:par>
-                    <p:cTn id="15" fill="hold">
-                      <p:stCondLst>
-                        <p:cond delay="indefinite"/>
-                      </p:stCondLst>
-                      <p:childTnLst>
-                        <p:par>
-                          <p:cTn id="16" fill="hold">
-                            <p:stCondLst>
-                              <p:cond delay="0"/>
-                            </p:stCondLst>
-                            <p:childTnLst>
-                              <p:par>
-                                <p:cTn id="17" presetID="1" presetClass="entr" presetSubtype="0" fill="hold" grpId="0" nodeType="clickEffect">
-                                  <p:stCondLst>
-                                    <p:cond delay="0"/>
-                                  </p:stCondLst>
-                                  <p:childTnLst>
-                                    <p:set>
-                                      <p:cBhvr>
-                                        <p:cTn id="18" dur="1" fill="hold">
-                                          <p:stCondLst>
-                                            <p:cond delay="0"/>
-                                          </p:stCondLst>
-                                        </p:cTn>
-                                        <p:tgtEl>
-                                          <p:spTgt spid="3">
-                                            <p:txEl>
-                                              <p:pRg st="3" end="3"/>
-                                            </p:txEl>
-                                          </p:spTgt>
-                                        </p:tgtEl>
-                                        <p:attrNameLst>
-                                          <p:attrName>style.visibility</p:attrName>
-                                        </p:attrNameLst>
-                                      </p:cBhvr>
-                                      <p:to>
-                                        <p:strVal val="visible"/>
-                                      </p:to>
-                                    </p:set>
-                                  </p:childTnLst>
-                                </p:cTn>
-                              </p:par>
-                            </p:childTnLst>
-                          </p:cTn>
-                        </p:par>
-                      </p:childTnLst>
-                    </p:cTn>
-                  </p:par>
-                  <p:par>
-                    <p:cTn id="19" fill="hold">
-                      <p:stCondLst>
-                        <p:cond delay="indefinite"/>
-                      </p:stCondLst>
-                      <p:childTnLst>
-                        <p:par>
-                          <p:cTn id="20" fill="hold">
-                            <p:stCondLst>
-                              <p:cond delay="0"/>
-                            </p:stCondLst>
-                            <p:childTnLst>
-                              <p:par>
-                                <p:cTn id="21" presetID="1" presetClass="entr" presetSubtype="0" fill="hold" grpId="0" nodeType="clickEffect">
-                                  <p:stCondLst>
-                                    <p:cond delay="0"/>
-                                  </p:stCondLst>
-                                  <p:childTnLst>
-                                    <p:set>
-                                      <p:cBhvr>
-                                        <p:cTn id="22" dur="1" fill="hold">
-                                          <p:stCondLst>
-                                            <p:cond delay="0"/>
-                                          </p:stCondLst>
-                                        </p:cTn>
-                                        <p:tgtEl>
-                                          <p:spTgt spid="3">
-                                            <p:txEl>
-                                              <p:pRg st="4" end="4"/>
-                                            </p:txEl>
-                                          </p:spTgt>
-                                        </p:tgtEl>
-                                        <p:attrNameLst>
-                                          <p:attrName>style.visibility</p:attrName>
-                                        </p:attrNameLst>
-                                      </p:cBhvr>
-                                      <p:to>
-                                        <p:strVal val="visible"/>
-                                      </p:to>
-                                    </p:set>
-                                  </p:childTnLst>
-                                </p:cTn>
-                              </p:par>
-                            </p:childTnLst>
-                          </p:cTn>
-                        </p:par>
-                      </p:childTnLst>
-                    </p:cTn>
-                  </p:par>
-                  <p:par>
-                    <p:cTn id="23" fill="hold">
-                      <p:stCondLst>
-                        <p:cond delay="indefinite"/>
-                      </p:stCondLst>
-                      <p:childTnLst>
-                        <p:par>
-                          <p:cTn id="24" fill="hold">
-                            <p:stCondLst>
-                              <p:cond delay="0"/>
-                            </p:stCondLst>
-                            <p:childTnLst>
-                              <p:par>
-                                <p:cTn id="25" presetID="1" presetClass="entr" presetSubtype="0" fill="hold" grpId="0" nodeType="clickEffect">
-                                  <p:stCondLst>
-                                    <p:cond delay="0"/>
-                                  </p:stCondLst>
-                                  <p:childTnLst>
-                                    <p:set>
-                                      <p:cBhvr>
-                                        <p:cTn id="26" dur="1" fill="hold">
-                                          <p:stCondLst>
-                                            <p:cond delay="0"/>
-                                          </p:stCondLst>
-                                        </p:cTn>
-                                        <p:tgtEl>
-                                          <p:spTgt spid="3">
-                                            <p:txEl>
-                                              <p:pRg st="5" end="5"/>
-                                            </p:txEl>
-                                          </p:spTgt>
-                                        </p:tgtEl>
-                                        <p:attrNameLst>
-                                          <p:attrName>style.visibility</p:attrName>
-                                        </p:attrNameLst>
-                                      </p:cBhvr>
-                                      <p:to>
-                                        <p:strVal val="visible"/>
-                                      </p:to>
-                                    </p:set>
-                                  </p:childTnLst>
-                                </p:cTn>
-                              </p:par>
-                            </p:childTnLst>
-                          </p:cTn>
-                        </p:par>
-                      </p:childTnLst>
-                    </p:cTn>
-                  </p:par>
-                  <p:par>
-                    <p:cTn id="27" fill="hold">
-                      <p:stCondLst>
-                        <p:cond delay="indefinite"/>
-                      </p:stCondLst>
-                      <p:childTnLst>
-                        <p:par>
-                          <p:cTn id="28" fill="hold">
-                            <p:stCondLst>
-                              <p:cond delay="0"/>
-                            </p:stCondLst>
-                            <p:childTnLst>
-                              <p:par>
-                                <p:cTn id="29" presetID="1" presetClass="entr" presetSubtype="0" fill="hold" grpId="0" nodeType="clickEffect">
-                                  <p:stCondLst>
-                                    <p:cond delay="0"/>
-                                  </p:stCondLst>
-                                  <p:childTnLst>
-                                    <p:set>
-                                      <p:cBhvr>
-                                        <p:cTn id="30" dur="1" fill="hold">
-                                          <p:stCondLst>
-                                            <p:cond delay="0"/>
-                                          </p:stCondLst>
-                                        </p:cTn>
-                                        <p:tgtEl>
-                                          <p:spTgt spid="3">
-                                            <p:txEl>
-                                              <p:pRg st="6" end="6"/>
-                                            </p:txEl>
-                                          </p:spTgt>
-                                        </p:tgtEl>
-                                        <p:attrNameLst>
-                                          <p:attrName>style.visibility</p:attrName>
-                                        </p:attrNameLst>
-                                      </p:cBhvr>
-                                      <p:to>
-                                        <p:strVal val="visible"/>
-                                      </p:to>
-                                    </p:set>
-                                  </p:childTnLst>
-                                </p:cTn>
-                              </p:par>
-                              <p:par>
-                                <p:cTn id="31" presetID="1" presetClass="entr" presetSubtype="0" fill="hold" grpId="0" nodeType="withEffect">
-                                  <p:stCondLst>
-                                    <p:cond delay="0"/>
-                                  </p:stCondLst>
-                                  <p:childTnLst>
-                                    <p:set>
-                                      <p:cBhvr>
-                                        <p:cTn id="32" dur="1" fill="hold">
-                                          <p:stCondLst>
-                                            <p:cond delay="0"/>
-                                          </p:stCondLst>
-                                        </p:cTn>
-                                        <p:tgtEl>
-                                          <p:spTgt spid="3">
-                                            <p:txEl>
-                                              <p:pRg st="7" end="7"/>
-                                            </p:txEl>
-                                          </p:spTgt>
-                                        </p:tgtEl>
-                                        <p:attrNameLst>
-                                          <p:attrName>style.visibility</p:attrName>
-                                        </p:attrNameLst>
-                                      </p:cBhvr>
-                                      <p:to>
-                                        <p:strVal val="visible"/>
-                                      </p:to>
-                                    </p:set>
-                                  </p:childTnLst>
-                                </p:cTn>
-                              </p:par>
-                              <p:par>
-                                <p:cTn id="33" presetID="1" presetClass="entr" presetSubtype="0" fill="hold" grpId="0" nodeType="withEffect">
-                                  <p:stCondLst>
-                                    <p:cond delay="0"/>
-                                  </p:stCondLst>
-                                  <p:childTnLst>
-                                    <p:set>
-                                      <p:cBhvr>
-                                        <p:cTn id="34" dur="1" fill="hold">
-                                          <p:stCondLst>
-                                            <p:cond delay="0"/>
-                                          </p:stCondLst>
-                                        </p:cTn>
-                                        <p:tgtEl>
-                                          <p:spTgt spid="3">
-                                            <p:txEl>
-                                              <p:pRg st="8" end="8"/>
-                                            </p:txEl>
-                                          </p:spTgt>
-                                        </p:tgtEl>
-                                        <p:attrNameLst>
-                                          <p:attrName>style.visibility</p:attrName>
-                                        </p:attrNameLst>
-                                      </p:cBhvr>
-                                      <p:to>
-                                        <p:strVal val="visible"/>
-                                      </p:to>
-                                    </p:set>
-                                  </p:childTnLst>
-                                </p:cTn>
-                              </p:par>
-                            </p:childTnLst>
-                          </p:cTn>
-                        </p:par>
-                      </p:childTnLst>
-                    </p:cTn>
-                  </p:par>
-                </p:childTnLst>
-              </p:cTn>
-              <p:prevCondLst>
-                <p:cond evt="onPrev" delay="0">
-                  <p:tgtEl>
-                    <p:sldTgt/>
-                  </p:tgtEl>
-                </p:cond>
-              </p:prevCondLst>
-              <p:nextCondLst>
-                <p:cond evt="onNext" delay="0">
-                  <p:tgtEl>
-                    <p:sldTgt/>
-                  </p:tgtEl>
-                </p:cond>
-              </p:nextCondLst>
-            </p:seq>
-          </p:childTnLst>
-        </p:cTn>
-      </p:par>
-    </p:tnLst>
-    <p:bldLst>
-      <p:bldP spid="3" grpId="0" build="p"/>
-    </p:bldLst>
-  </p:timing>
-</p:sld>
-</file>
-
-<file path=ppt/slides/slide5.xml><?xml version="1.0" encoding="utf-8"?>
-<p:sld xmlns:a="http://schemas.openxmlformats.org/drawingml/2006/main" xmlns:r="http://schemas.openxmlformats.org/officeDocument/2006/relationships" xmlns:p="http://schemas.openxmlformats.org/presentationml/2006/main">
-  <p:cSld>
-    <p:spTree>
-      <p:nvGrpSpPr>
-        <p:cNvPr id="1" name=""/>
-        <p:cNvGrpSpPr/>
-        <p:nvPr/>
-      </p:nvGrpSpPr>
-      <p:grpSpPr>
-        <a:xfrm>
-          <a:off x="0" y="0"/>
-          <a:ext cx="0" cy="0"/>
-          <a:chOff x="0" y="0"/>
-          <a:chExt cx="0" cy="0"/>
-        </a:xfrm>
-      </p:grpSpPr>
-      <p:sp>
-        <p:nvSpPr>
-          <p:cNvPr id="2" name="Title 1">
-            <a:extLst>
-              <a:ext uri="{FF2B5EF4-FFF2-40B4-BE49-F238E27FC236}">
-                <a16:creationId xmlns:a16="http://schemas.microsoft.com/office/drawing/2014/main" id="{B6892AAD-1523-408A-914A-BD53435CAA44}"/>
-              </a:ext>
-            </a:extLst>
-          </p:cNvPr>
-          <p:cNvSpPr>
-            <a:spLocks noGrp="1"/>
-          </p:cNvSpPr>
-          <p:nvPr>
-            <p:ph type="title"/>
-          </p:nvPr>
-        </p:nvSpPr>
-        <p:spPr>
-          <a:xfrm>
-            <a:off x="0" y="18256"/>
-            <a:ext cx="12192000" cy="865322"/>
-          </a:xfrm>
-        </p:spPr>
-        <p:txBody>
-          <a:bodyPr/>
-          <a:lstStyle/>
-          <a:p>
-            <a:r>
-              <a:rPr lang="en-US" dirty="0"/>
-              <a:t>Bias-Variance decomposition</a:t>
-            </a:r>
-          </a:p>
-        </p:txBody>
-      </p:sp>
-      <p:sp>
-        <p:nvSpPr>
-          <p:cNvPr id="3" name="Content Placeholder 2">
-            <a:extLst>
-              <a:ext uri="{FF2B5EF4-FFF2-40B4-BE49-F238E27FC236}">
-                <a16:creationId xmlns:a16="http://schemas.microsoft.com/office/drawing/2014/main" id="{EEF167AB-67F2-4A95-9DC5-502BF91093B6}"/>
-              </a:ext>
-            </a:extLst>
-          </p:cNvPr>
-          <p:cNvSpPr>
-            <a:spLocks noGrp="1"/>
-          </p:cNvSpPr>
-          <p:nvPr>
-            <p:ph idx="1"/>
-          </p:nvPr>
-        </p:nvSpPr>
-        <p:spPr>
-          <a:xfrm>
-            <a:off x="-1" y="955497"/>
-            <a:ext cx="12191999" cy="5884247"/>
-          </a:xfrm>
-        </p:spPr>
-        <p:txBody>
-          <a:bodyPr/>
-          <a:lstStyle/>
-          <a:p>
-            <a:r>
-              <a:rPr lang="en-US" dirty="0"/>
-              <a:t>Second source of error in a learned model stems from particular training set used</a:t>
-            </a:r>
-          </a:p>
-          <a:p>
-            <a:r>
-              <a:rPr lang="en-US" dirty="0"/>
-              <a:t>Training set is inevitably finite, not fully representative of population of instances</a:t>
-            </a:r>
-          </a:p>
-          <a:p>
-            <a:r>
-              <a:rPr lang="en-US" dirty="0"/>
-              <a:t>Expected value of this component of error, over all possible training sets of a given size, and all possible test sets, is called the </a:t>
-            </a:r>
-            <a:r>
-              <a:rPr lang="en-US" i="1" dirty="0"/>
-              <a:t>variance </a:t>
-            </a:r>
-            <a:r>
-              <a:rPr lang="en-US" dirty="0"/>
-              <a:t>of learning method</a:t>
-            </a:r>
-          </a:p>
-          <a:p>
-            <a:r>
-              <a:rPr lang="en-US" dirty="0"/>
-              <a:t>Total expected error of classifier = bias + variance (bias-variance decomposition)</a:t>
-            </a:r>
-          </a:p>
-          <a:p>
-            <a:r>
-              <a:rPr lang="en-US" b="1" dirty="0"/>
-              <a:t>Combining multiple classifiers reduces variance component, decreasing error</a:t>
-            </a:r>
-          </a:p>
-          <a:p>
-            <a:r>
-              <a:rPr lang="en-US" dirty="0"/>
-              <a:t>More classifiers (and training sets) = greater reduction in variance</a:t>
-            </a:r>
-          </a:p>
-          <a:p>
-            <a:r>
-              <a:rPr lang="en-US" dirty="0"/>
-              <a:t>Problem: usually only one training set exists</a:t>
-            </a:r>
-          </a:p>
-          <a:p>
-            <a:r>
-              <a:rPr lang="en-US" dirty="0"/>
-              <a:t>Bagging attempts to </a:t>
-            </a:r>
-            <a:r>
-              <a:rPr lang="en-US" i="1" dirty="0"/>
-              <a:t>simulate </a:t>
-            </a:r>
-            <a:r>
-              <a:rPr lang="en-US" dirty="0"/>
-              <a:t>the infinite training sets using a bootstrap method</a:t>
-            </a:r>
-          </a:p>
-          <a:p>
-            <a:pPr lvl="1"/>
-            <a:r>
-              <a:rPr lang="en-US" dirty="0"/>
-              <a:t>sampling with replacement from original dataset, creating new dataset of equal size</a:t>
-            </a:r>
-          </a:p>
-          <a:p>
-            <a:r>
-              <a:rPr lang="en-US" dirty="0"/>
-              <a:t>Bagging = </a:t>
-            </a:r>
-            <a:r>
-              <a:rPr lang="en-US" b="1" u="sng" dirty="0"/>
-              <a:t>B</a:t>
-            </a:r>
-            <a:r>
-              <a:rPr lang="en-US" dirty="0"/>
-              <a:t>ootstrap </a:t>
-            </a:r>
-            <a:r>
-              <a:rPr lang="en-US" b="1" u="sng" dirty="0"/>
-              <a:t>Ag</a:t>
-            </a:r>
-            <a:r>
-              <a:rPr lang="en-US" dirty="0"/>
-              <a:t>gregating</a:t>
-            </a:r>
-          </a:p>
-          <a:p>
-            <a:endParaRPr lang="en-US" dirty="0"/>
-          </a:p>
-        </p:txBody>
-      </p:sp>
-    </p:spTree>
-    <p:extLst>
-      <p:ext uri="{BB962C8B-B14F-4D97-AF65-F5344CB8AC3E}">
-        <p14:creationId xmlns:p14="http://schemas.microsoft.com/office/powerpoint/2010/main" val="749784115"/>
       </p:ext>
     </p:extLst>
   </p:cSld>
@@ -6909,33 +8076,15 @@
                                   </p:childTnLst>
                                 </p:cTn>
                               </p:par>
-                            </p:childTnLst>
-                          </p:cTn>
-                        </p:par>
-                      </p:childTnLst>
-                    </p:cTn>
-                  </p:par>
-                  <p:par>
-                    <p:cTn id="37" fill="hold">
-                      <p:stCondLst>
-                        <p:cond delay="indefinite"/>
-                      </p:stCondLst>
-                      <p:childTnLst>
-                        <p:par>
-                          <p:cTn id="38" fill="hold">
-                            <p:stCondLst>
-                              <p:cond delay="0"/>
-                            </p:stCondLst>
-                            <p:childTnLst>
                               <p:par>
-                                <p:cTn id="39" presetID="1" presetClass="entr" presetSubtype="0" fill="hold" grpId="0" nodeType="clickEffect">
+                                <p:cTn id="37" presetID="1" presetClass="entr" presetSubtype="0" fill="hold" grpId="0" nodeType="withEffect">
                                   <p:stCondLst>
                                     <p:cond delay="0"/>
                                   </p:stCondLst>
                                   <p:childTnLst>
                                     <p:set>
                                       <p:cBhvr>
-                                        <p:cTn id="40" dur="1" fill="hold">
+                                        <p:cTn id="38" dur="1" fill="hold">
                                           <p:stCondLst>
                                             <p:cond delay="0"/>
                                           </p:stCondLst>
@@ -6992,7 +8141,846 @@
 </p:sld>
 </file>
 
+<file path=ppt/slides/slide5.xml><?xml version="1.0" encoding="utf-8"?>
+<p:sld xmlns:a="http://schemas.openxmlformats.org/drawingml/2006/main" xmlns:r="http://schemas.openxmlformats.org/officeDocument/2006/relationships" xmlns:p="http://schemas.openxmlformats.org/presentationml/2006/main">
+  <p:cSld>
+    <p:spTree>
+      <p:nvGrpSpPr>
+        <p:cNvPr id="1" name=""/>
+        <p:cNvGrpSpPr/>
+        <p:nvPr/>
+      </p:nvGrpSpPr>
+      <p:grpSpPr>
+        <a:xfrm>
+          <a:off x="0" y="0"/>
+          <a:ext cx="0" cy="0"/>
+          <a:chOff x="0" y="0"/>
+          <a:chExt cx="0" cy="0"/>
+        </a:xfrm>
+      </p:grpSpPr>
+      <p:sp>
+        <p:nvSpPr>
+          <p:cNvPr id="2" name="Title 1">
+            <a:extLst>
+              <a:ext uri="{FF2B5EF4-FFF2-40B4-BE49-F238E27FC236}">
+                <a16:creationId xmlns:a16="http://schemas.microsoft.com/office/drawing/2014/main" id="{42ADF490-3F86-4941-B382-FD70EE54B501}"/>
+              </a:ext>
+            </a:extLst>
+          </p:cNvPr>
+          <p:cNvSpPr>
+            <a:spLocks noGrp="1"/>
+          </p:cNvSpPr>
+          <p:nvPr>
+            <p:ph type="title"/>
+          </p:nvPr>
+        </p:nvSpPr>
+        <p:spPr>
+          <a:xfrm>
+            <a:off x="0" y="365125"/>
+            <a:ext cx="12192000" cy="1325563"/>
+          </a:xfrm>
+        </p:spPr>
+        <p:txBody>
+          <a:bodyPr/>
+          <a:lstStyle/>
+          <a:p>
+            <a:r>
+              <a:rPr lang="en-US" dirty="0"/>
+              <a:t>Which model has higher bias error on the input data?</a:t>
+            </a:r>
+          </a:p>
+        </p:txBody>
+      </p:sp>
+      <p:pic>
+        <p:nvPicPr>
+          <p:cNvPr id="4" name="Picture 3">
+            <a:extLst>
+              <a:ext uri="{FF2B5EF4-FFF2-40B4-BE49-F238E27FC236}">
+                <a16:creationId xmlns:a16="http://schemas.microsoft.com/office/drawing/2014/main" id="{5662D151-996F-4046-9490-7F389D03C061}"/>
+              </a:ext>
+            </a:extLst>
+          </p:cNvPr>
+          <p:cNvPicPr>
+            <a:picLocks noChangeAspect="1"/>
+          </p:cNvPicPr>
+          <p:nvPr/>
+        </p:nvPicPr>
+        <p:blipFill>
+          <a:blip r:embed="rId2"/>
+          <a:stretch>
+            <a:fillRect/>
+          </a:stretch>
+        </p:blipFill>
+        <p:spPr>
+          <a:xfrm>
+            <a:off x="293242" y="1708668"/>
+            <a:ext cx="11060558" cy="4697764"/>
+          </a:xfrm>
+          <a:prstGeom prst="rect">
+            <a:avLst/>
+          </a:prstGeom>
+        </p:spPr>
+      </p:pic>
+    </p:spTree>
+    <p:extLst>
+      <p:ext uri="{BB962C8B-B14F-4D97-AF65-F5344CB8AC3E}">
+        <p14:creationId xmlns:p14="http://schemas.microsoft.com/office/powerpoint/2010/main" val="334876768"/>
+      </p:ext>
+    </p:extLst>
+  </p:cSld>
+  <p:clrMapOvr>
+    <a:masterClrMapping/>
+  </p:clrMapOvr>
+</p:sld>
+</file>
+
 <file path=ppt/slides/slide6.xml><?xml version="1.0" encoding="utf-8"?>
+<p:sld xmlns:a="http://schemas.openxmlformats.org/drawingml/2006/main" xmlns:r="http://schemas.openxmlformats.org/officeDocument/2006/relationships" xmlns:p="http://schemas.openxmlformats.org/presentationml/2006/main">
+  <p:cSld>
+    <p:spTree>
+      <p:nvGrpSpPr>
+        <p:cNvPr id="1" name=""/>
+        <p:cNvGrpSpPr/>
+        <p:nvPr/>
+      </p:nvGrpSpPr>
+      <p:grpSpPr>
+        <a:xfrm>
+          <a:off x="0" y="0"/>
+          <a:ext cx="0" cy="0"/>
+          <a:chOff x="0" y="0"/>
+          <a:chExt cx="0" cy="0"/>
+        </a:xfrm>
+      </p:grpSpPr>
+      <p:sp>
+        <p:nvSpPr>
+          <p:cNvPr id="2" name="Title 1">
+            <a:extLst>
+              <a:ext uri="{FF2B5EF4-FFF2-40B4-BE49-F238E27FC236}">
+                <a16:creationId xmlns:a16="http://schemas.microsoft.com/office/drawing/2014/main" id="{B6892AAD-1523-408A-914A-BD53435CAA44}"/>
+              </a:ext>
+            </a:extLst>
+          </p:cNvPr>
+          <p:cNvSpPr>
+            <a:spLocks noGrp="1"/>
+          </p:cNvSpPr>
+          <p:nvPr>
+            <p:ph type="title"/>
+          </p:nvPr>
+        </p:nvSpPr>
+        <p:spPr>
+          <a:xfrm>
+            <a:off x="0" y="18256"/>
+            <a:ext cx="12192000" cy="865322"/>
+          </a:xfrm>
+        </p:spPr>
+        <p:txBody>
+          <a:bodyPr/>
+          <a:lstStyle/>
+          <a:p>
+            <a:r>
+              <a:rPr lang="en-US" dirty="0"/>
+              <a:t>Bias-Variance decomposition</a:t>
+            </a:r>
+          </a:p>
+        </p:txBody>
+      </p:sp>
+      <p:sp>
+        <p:nvSpPr>
+          <p:cNvPr id="3" name="Content Placeholder 2">
+            <a:extLst>
+              <a:ext uri="{FF2B5EF4-FFF2-40B4-BE49-F238E27FC236}">
+                <a16:creationId xmlns:a16="http://schemas.microsoft.com/office/drawing/2014/main" id="{EEF167AB-67F2-4A95-9DC5-502BF91093B6}"/>
+              </a:ext>
+            </a:extLst>
+          </p:cNvPr>
+          <p:cNvSpPr>
+            <a:spLocks noGrp="1"/>
+          </p:cNvSpPr>
+          <p:nvPr>
+            <p:ph idx="1"/>
+          </p:nvPr>
+        </p:nvSpPr>
+        <p:spPr>
+          <a:xfrm>
+            <a:off x="-1" y="955497"/>
+            <a:ext cx="12191999" cy="5884247"/>
+          </a:xfrm>
+        </p:spPr>
+        <p:txBody>
+          <a:bodyPr/>
+          <a:lstStyle/>
+          <a:p>
+            <a:r>
+              <a:rPr lang="en-US" b="1" dirty="0"/>
+              <a:t>Variance</a:t>
+            </a:r>
+          </a:p>
+          <a:p>
+            <a:r>
+              <a:rPr lang="en-US" dirty="0"/>
+              <a:t>Second source of error in a learned model stems from particular training set used</a:t>
+            </a:r>
+          </a:p>
+          <a:p>
+            <a:r>
+              <a:rPr lang="en-US" dirty="0"/>
+              <a:t>Training set is inevitably finite, not fully representative of population of instances</a:t>
+            </a:r>
+          </a:p>
+          <a:p>
+            <a:r>
+              <a:rPr lang="en-US" dirty="0"/>
+              <a:t>Expected value of this component of error, over all possible training sets of a given size, and all possible test sets, is called the </a:t>
+            </a:r>
+            <a:r>
+              <a:rPr lang="en-US" i="1" dirty="0"/>
+              <a:t>variance </a:t>
+            </a:r>
+            <a:r>
+              <a:rPr lang="en-US" dirty="0"/>
+              <a:t>of learning method</a:t>
+            </a:r>
+          </a:p>
+          <a:p>
+            <a:r>
+              <a:rPr lang="en-US" dirty="0"/>
+              <a:t>Total expected error of classifier = bias + variance (bias-variance decomposition)</a:t>
+            </a:r>
+          </a:p>
+          <a:p>
+            <a:r>
+              <a:rPr lang="en-US" b="1" dirty="0"/>
+              <a:t>Combining multiple classifiers reduces variance component, decreasing error</a:t>
+            </a:r>
+          </a:p>
+          <a:p>
+            <a:r>
+              <a:rPr lang="en-US" dirty="0"/>
+              <a:t>More classifiers (and training sets) = greater reduction in variance</a:t>
+            </a:r>
+          </a:p>
+          <a:p>
+            <a:r>
+              <a:rPr lang="en-US" dirty="0"/>
+              <a:t>Problem: usually only one training set exists</a:t>
+            </a:r>
+          </a:p>
+          <a:p>
+            <a:r>
+              <a:rPr lang="en-US" dirty="0"/>
+              <a:t>Bagging attempts to </a:t>
+            </a:r>
+            <a:r>
+              <a:rPr lang="en-US" i="1" dirty="0"/>
+              <a:t>simulate </a:t>
+            </a:r>
+            <a:r>
+              <a:rPr lang="en-US" dirty="0"/>
+              <a:t>the infinite training sets using a bootstrap method</a:t>
+            </a:r>
+          </a:p>
+          <a:p>
+            <a:pPr lvl="1"/>
+            <a:r>
+              <a:rPr lang="en-US" dirty="0"/>
+              <a:t>sampling with replacement from original dataset, creating new dataset of equal size</a:t>
+            </a:r>
+          </a:p>
+          <a:p>
+            <a:r>
+              <a:rPr lang="en-US" dirty="0"/>
+              <a:t>Bagging = </a:t>
+            </a:r>
+            <a:r>
+              <a:rPr lang="en-US" b="1" u="sng" dirty="0"/>
+              <a:t>B</a:t>
+            </a:r>
+            <a:r>
+              <a:rPr lang="en-US" dirty="0"/>
+              <a:t>ootstrap </a:t>
+            </a:r>
+            <a:r>
+              <a:rPr lang="en-US" b="1" u="sng" dirty="0"/>
+              <a:t>Ag</a:t>
+            </a:r>
+            <a:r>
+              <a:rPr lang="en-US" dirty="0"/>
+              <a:t>gregating</a:t>
+            </a:r>
+          </a:p>
+          <a:p>
+            <a:endParaRPr lang="en-US" dirty="0"/>
+          </a:p>
+        </p:txBody>
+      </p:sp>
+    </p:spTree>
+    <p:extLst>
+      <p:ext uri="{BB962C8B-B14F-4D97-AF65-F5344CB8AC3E}">
+        <p14:creationId xmlns:p14="http://schemas.microsoft.com/office/powerpoint/2010/main" val="749784115"/>
+      </p:ext>
+    </p:extLst>
+  </p:cSld>
+  <p:clrMapOvr>
+    <a:masterClrMapping/>
+  </p:clrMapOvr>
+  <p:timing>
+    <p:tnLst>
+      <p:par>
+        <p:cTn id="1" dur="indefinite" restart="never" nodeType="tmRoot">
+          <p:childTnLst>
+            <p:seq concurrent="1" nextAc="seek">
+              <p:cTn id="2" dur="indefinite" nodeType="mainSeq">
+                <p:childTnLst>
+                  <p:par>
+                    <p:cTn id="3" fill="hold">
+                      <p:stCondLst>
+                        <p:cond delay="indefinite"/>
+                      </p:stCondLst>
+                      <p:childTnLst>
+                        <p:par>
+                          <p:cTn id="4" fill="hold">
+                            <p:stCondLst>
+                              <p:cond delay="0"/>
+                            </p:stCondLst>
+                            <p:childTnLst>
+                              <p:par>
+                                <p:cTn id="5" presetID="1" presetClass="entr" presetSubtype="0" fill="hold" grpId="0" nodeType="clickEffect">
+                                  <p:stCondLst>
+                                    <p:cond delay="0"/>
+                                  </p:stCondLst>
+                                  <p:childTnLst>
+                                    <p:set>
+                                      <p:cBhvr>
+                                        <p:cTn id="6" dur="1" fill="hold">
+                                          <p:stCondLst>
+                                            <p:cond delay="0"/>
+                                          </p:stCondLst>
+                                        </p:cTn>
+                                        <p:tgtEl>
+                                          <p:spTgt spid="3">
+                                            <p:txEl>
+                                              <p:pRg st="0" end="0"/>
+                                            </p:txEl>
+                                          </p:spTgt>
+                                        </p:tgtEl>
+                                        <p:attrNameLst>
+                                          <p:attrName>style.visibility</p:attrName>
+                                        </p:attrNameLst>
+                                      </p:cBhvr>
+                                      <p:to>
+                                        <p:strVal val="visible"/>
+                                      </p:to>
+                                    </p:set>
+                                  </p:childTnLst>
+                                </p:cTn>
+                              </p:par>
+                            </p:childTnLst>
+                          </p:cTn>
+                        </p:par>
+                      </p:childTnLst>
+                    </p:cTn>
+                  </p:par>
+                  <p:par>
+                    <p:cTn id="7" fill="hold">
+                      <p:stCondLst>
+                        <p:cond delay="indefinite"/>
+                      </p:stCondLst>
+                      <p:childTnLst>
+                        <p:par>
+                          <p:cTn id="8" fill="hold">
+                            <p:stCondLst>
+                              <p:cond delay="0"/>
+                            </p:stCondLst>
+                            <p:childTnLst>
+                              <p:par>
+                                <p:cTn id="9" presetID="1" presetClass="entr" presetSubtype="0" fill="hold" grpId="0" nodeType="clickEffect">
+                                  <p:stCondLst>
+                                    <p:cond delay="0"/>
+                                  </p:stCondLst>
+                                  <p:childTnLst>
+                                    <p:set>
+                                      <p:cBhvr>
+                                        <p:cTn id="10" dur="1" fill="hold">
+                                          <p:stCondLst>
+                                            <p:cond delay="0"/>
+                                          </p:stCondLst>
+                                        </p:cTn>
+                                        <p:tgtEl>
+                                          <p:spTgt spid="3">
+                                            <p:txEl>
+                                              <p:pRg st="1" end="1"/>
+                                            </p:txEl>
+                                          </p:spTgt>
+                                        </p:tgtEl>
+                                        <p:attrNameLst>
+                                          <p:attrName>style.visibility</p:attrName>
+                                        </p:attrNameLst>
+                                      </p:cBhvr>
+                                      <p:to>
+                                        <p:strVal val="visible"/>
+                                      </p:to>
+                                    </p:set>
+                                  </p:childTnLst>
+                                </p:cTn>
+                              </p:par>
+                            </p:childTnLst>
+                          </p:cTn>
+                        </p:par>
+                      </p:childTnLst>
+                    </p:cTn>
+                  </p:par>
+                  <p:par>
+                    <p:cTn id="11" fill="hold">
+                      <p:stCondLst>
+                        <p:cond delay="indefinite"/>
+                      </p:stCondLst>
+                      <p:childTnLst>
+                        <p:par>
+                          <p:cTn id="12" fill="hold">
+                            <p:stCondLst>
+                              <p:cond delay="0"/>
+                            </p:stCondLst>
+                            <p:childTnLst>
+                              <p:par>
+                                <p:cTn id="13" presetID="1" presetClass="entr" presetSubtype="0" fill="hold" grpId="0" nodeType="clickEffect">
+                                  <p:stCondLst>
+                                    <p:cond delay="0"/>
+                                  </p:stCondLst>
+                                  <p:childTnLst>
+                                    <p:set>
+                                      <p:cBhvr>
+                                        <p:cTn id="14" dur="1" fill="hold">
+                                          <p:stCondLst>
+                                            <p:cond delay="0"/>
+                                          </p:stCondLst>
+                                        </p:cTn>
+                                        <p:tgtEl>
+                                          <p:spTgt spid="3">
+                                            <p:txEl>
+                                              <p:pRg st="2" end="2"/>
+                                            </p:txEl>
+                                          </p:spTgt>
+                                        </p:tgtEl>
+                                        <p:attrNameLst>
+                                          <p:attrName>style.visibility</p:attrName>
+                                        </p:attrNameLst>
+                                      </p:cBhvr>
+                                      <p:to>
+                                        <p:strVal val="visible"/>
+                                      </p:to>
+                                    </p:set>
+                                  </p:childTnLst>
+                                </p:cTn>
+                              </p:par>
+                            </p:childTnLst>
+                          </p:cTn>
+                        </p:par>
+                      </p:childTnLst>
+                    </p:cTn>
+                  </p:par>
+                  <p:par>
+                    <p:cTn id="15" fill="hold">
+                      <p:stCondLst>
+                        <p:cond delay="indefinite"/>
+                      </p:stCondLst>
+                      <p:childTnLst>
+                        <p:par>
+                          <p:cTn id="16" fill="hold">
+                            <p:stCondLst>
+                              <p:cond delay="0"/>
+                            </p:stCondLst>
+                            <p:childTnLst>
+                              <p:par>
+                                <p:cTn id="17" presetID="1" presetClass="entr" presetSubtype="0" fill="hold" grpId="0" nodeType="clickEffect">
+                                  <p:stCondLst>
+                                    <p:cond delay="0"/>
+                                  </p:stCondLst>
+                                  <p:childTnLst>
+                                    <p:set>
+                                      <p:cBhvr>
+                                        <p:cTn id="18" dur="1" fill="hold">
+                                          <p:stCondLst>
+                                            <p:cond delay="0"/>
+                                          </p:stCondLst>
+                                        </p:cTn>
+                                        <p:tgtEl>
+                                          <p:spTgt spid="3">
+                                            <p:txEl>
+                                              <p:pRg st="3" end="3"/>
+                                            </p:txEl>
+                                          </p:spTgt>
+                                        </p:tgtEl>
+                                        <p:attrNameLst>
+                                          <p:attrName>style.visibility</p:attrName>
+                                        </p:attrNameLst>
+                                      </p:cBhvr>
+                                      <p:to>
+                                        <p:strVal val="visible"/>
+                                      </p:to>
+                                    </p:set>
+                                  </p:childTnLst>
+                                </p:cTn>
+                              </p:par>
+                            </p:childTnLst>
+                          </p:cTn>
+                        </p:par>
+                      </p:childTnLst>
+                    </p:cTn>
+                  </p:par>
+                  <p:par>
+                    <p:cTn id="19" fill="hold">
+                      <p:stCondLst>
+                        <p:cond delay="indefinite"/>
+                      </p:stCondLst>
+                      <p:childTnLst>
+                        <p:par>
+                          <p:cTn id="20" fill="hold">
+                            <p:stCondLst>
+                              <p:cond delay="0"/>
+                            </p:stCondLst>
+                            <p:childTnLst>
+                              <p:par>
+                                <p:cTn id="21" presetID="1" presetClass="entr" presetSubtype="0" fill="hold" grpId="0" nodeType="clickEffect">
+                                  <p:stCondLst>
+                                    <p:cond delay="0"/>
+                                  </p:stCondLst>
+                                  <p:childTnLst>
+                                    <p:set>
+                                      <p:cBhvr>
+                                        <p:cTn id="22" dur="1" fill="hold">
+                                          <p:stCondLst>
+                                            <p:cond delay="0"/>
+                                          </p:stCondLst>
+                                        </p:cTn>
+                                        <p:tgtEl>
+                                          <p:spTgt spid="3">
+                                            <p:txEl>
+                                              <p:pRg st="4" end="4"/>
+                                            </p:txEl>
+                                          </p:spTgt>
+                                        </p:tgtEl>
+                                        <p:attrNameLst>
+                                          <p:attrName>style.visibility</p:attrName>
+                                        </p:attrNameLst>
+                                      </p:cBhvr>
+                                      <p:to>
+                                        <p:strVal val="visible"/>
+                                      </p:to>
+                                    </p:set>
+                                  </p:childTnLst>
+                                </p:cTn>
+                              </p:par>
+                            </p:childTnLst>
+                          </p:cTn>
+                        </p:par>
+                      </p:childTnLst>
+                    </p:cTn>
+                  </p:par>
+                  <p:par>
+                    <p:cTn id="23" fill="hold">
+                      <p:stCondLst>
+                        <p:cond delay="indefinite"/>
+                      </p:stCondLst>
+                      <p:childTnLst>
+                        <p:par>
+                          <p:cTn id="24" fill="hold">
+                            <p:stCondLst>
+                              <p:cond delay="0"/>
+                            </p:stCondLst>
+                            <p:childTnLst>
+                              <p:par>
+                                <p:cTn id="25" presetID="1" presetClass="entr" presetSubtype="0" fill="hold" grpId="0" nodeType="clickEffect">
+                                  <p:stCondLst>
+                                    <p:cond delay="0"/>
+                                  </p:stCondLst>
+                                  <p:childTnLst>
+                                    <p:set>
+                                      <p:cBhvr>
+                                        <p:cTn id="26" dur="1" fill="hold">
+                                          <p:stCondLst>
+                                            <p:cond delay="0"/>
+                                          </p:stCondLst>
+                                        </p:cTn>
+                                        <p:tgtEl>
+                                          <p:spTgt spid="3">
+                                            <p:txEl>
+                                              <p:pRg st="5" end="5"/>
+                                            </p:txEl>
+                                          </p:spTgt>
+                                        </p:tgtEl>
+                                        <p:attrNameLst>
+                                          <p:attrName>style.visibility</p:attrName>
+                                        </p:attrNameLst>
+                                      </p:cBhvr>
+                                      <p:to>
+                                        <p:strVal val="visible"/>
+                                      </p:to>
+                                    </p:set>
+                                  </p:childTnLst>
+                                </p:cTn>
+                              </p:par>
+                            </p:childTnLst>
+                          </p:cTn>
+                        </p:par>
+                      </p:childTnLst>
+                    </p:cTn>
+                  </p:par>
+                  <p:par>
+                    <p:cTn id="27" fill="hold">
+                      <p:stCondLst>
+                        <p:cond delay="indefinite"/>
+                      </p:stCondLst>
+                      <p:childTnLst>
+                        <p:par>
+                          <p:cTn id="28" fill="hold">
+                            <p:stCondLst>
+                              <p:cond delay="0"/>
+                            </p:stCondLst>
+                            <p:childTnLst>
+                              <p:par>
+                                <p:cTn id="29" presetID="1" presetClass="entr" presetSubtype="0" fill="hold" grpId="0" nodeType="clickEffect">
+                                  <p:stCondLst>
+                                    <p:cond delay="0"/>
+                                  </p:stCondLst>
+                                  <p:childTnLst>
+                                    <p:set>
+                                      <p:cBhvr>
+                                        <p:cTn id="30" dur="1" fill="hold">
+                                          <p:stCondLst>
+                                            <p:cond delay="0"/>
+                                          </p:stCondLst>
+                                        </p:cTn>
+                                        <p:tgtEl>
+                                          <p:spTgt spid="3">
+                                            <p:txEl>
+                                              <p:pRg st="6" end="6"/>
+                                            </p:txEl>
+                                          </p:spTgt>
+                                        </p:tgtEl>
+                                        <p:attrNameLst>
+                                          <p:attrName>style.visibility</p:attrName>
+                                        </p:attrNameLst>
+                                      </p:cBhvr>
+                                      <p:to>
+                                        <p:strVal val="visible"/>
+                                      </p:to>
+                                    </p:set>
+                                  </p:childTnLst>
+                                </p:cTn>
+                              </p:par>
+                            </p:childTnLst>
+                          </p:cTn>
+                        </p:par>
+                      </p:childTnLst>
+                    </p:cTn>
+                  </p:par>
+                  <p:par>
+                    <p:cTn id="31" fill="hold">
+                      <p:stCondLst>
+                        <p:cond delay="indefinite"/>
+                      </p:stCondLst>
+                      <p:childTnLst>
+                        <p:par>
+                          <p:cTn id="32" fill="hold">
+                            <p:stCondLst>
+                              <p:cond delay="0"/>
+                            </p:stCondLst>
+                            <p:childTnLst>
+                              <p:par>
+                                <p:cTn id="33" presetID="1" presetClass="entr" presetSubtype="0" fill="hold" grpId="0" nodeType="clickEffect">
+                                  <p:stCondLst>
+                                    <p:cond delay="0"/>
+                                  </p:stCondLst>
+                                  <p:childTnLst>
+                                    <p:set>
+                                      <p:cBhvr>
+                                        <p:cTn id="34" dur="1" fill="hold">
+                                          <p:stCondLst>
+                                            <p:cond delay="0"/>
+                                          </p:stCondLst>
+                                        </p:cTn>
+                                        <p:tgtEl>
+                                          <p:spTgt spid="3">
+                                            <p:txEl>
+                                              <p:pRg st="7" end="7"/>
+                                            </p:txEl>
+                                          </p:spTgt>
+                                        </p:tgtEl>
+                                        <p:attrNameLst>
+                                          <p:attrName>style.visibility</p:attrName>
+                                        </p:attrNameLst>
+                                      </p:cBhvr>
+                                      <p:to>
+                                        <p:strVal val="visible"/>
+                                      </p:to>
+                                    </p:set>
+                                  </p:childTnLst>
+                                </p:cTn>
+                              </p:par>
+                            </p:childTnLst>
+                          </p:cTn>
+                        </p:par>
+                      </p:childTnLst>
+                    </p:cTn>
+                  </p:par>
+                  <p:par>
+                    <p:cTn id="35" fill="hold">
+                      <p:stCondLst>
+                        <p:cond delay="indefinite"/>
+                      </p:stCondLst>
+                      <p:childTnLst>
+                        <p:par>
+                          <p:cTn id="36" fill="hold">
+                            <p:stCondLst>
+                              <p:cond delay="0"/>
+                            </p:stCondLst>
+                            <p:childTnLst>
+                              <p:par>
+                                <p:cTn id="37" presetID="1" presetClass="entr" presetSubtype="0" fill="hold" grpId="0" nodeType="clickEffect">
+                                  <p:stCondLst>
+                                    <p:cond delay="0"/>
+                                  </p:stCondLst>
+                                  <p:childTnLst>
+                                    <p:set>
+                                      <p:cBhvr>
+                                        <p:cTn id="38" dur="1" fill="hold">
+                                          <p:stCondLst>
+                                            <p:cond delay="0"/>
+                                          </p:stCondLst>
+                                        </p:cTn>
+                                        <p:tgtEl>
+                                          <p:spTgt spid="3">
+                                            <p:txEl>
+                                              <p:pRg st="8" end="8"/>
+                                            </p:txEl>
+                                          </p:spTgt>
+                                        </p:tgtEl>
+                                        <p:attrNameLst>
+                                          <p:attrName>style.visibility</p:attrName>
+                                        </p:attrNameLst>
+                                      </p:cBhvr>
+                                      <p:to>
+                                        <p:strVal val="visible"/>
+                                      </p:to>
+                                    </p:set>
+                                  </p:childTnLst>
+                                </p:cTn>
+                              </p:par>
+                              <p:par>
+                                <p:cTn id="39" presetID="1" presetClass="entr" presetSubtype="0" fill="hold" grpId="0" nodeType="withEffect">
+                                  <p:stCondLst>
+                                    <p:cond delay="0"/>
+                                  </p:stCondLst>
+                                  <p:childTnLst>
+                                    <p:set>
+                                      <p:cBhvr>
+                                        <p:cTn id="40" dur="1" fill="hold">
+                                          <p:stCondLst>
+                                            <p:cond delay="0"/>
+                                          </p:stCondLst>
+                                        </p:cTn>
+                                        <p:tgtEl>
+                                          <p:spTgt spid="3">
+                                            <p:txEl>
+                                              <p:pRg st="9" end="9"/>
+                                            </p:txEl>
+                                          </p:spTgt>
+                                        </p:tgtEl>
+                                        <p:attrNameLst>
+                                          <p:attrName>style.visibility</p:attrName>
+                                        </p:attrNameLst>
+                                      </p:cBhvr>
+                                      <p:to>
+                                        <p:strVal val="visible"/>
+                                      </p:to>
+                                    </p:set>
+                                  </p:childTnLst>
+                                </p:cTn>
+                              </p:par>
+                            </p:childTnLst>
+                          </p:cTn>
+                        </p:par>
+                      </p:childTnLst>
+                    </p:cTn>
+                  </p:par>
+                  <p:par>
+                    <p:cTn id="41" fill="hold">
+                      <p:stCondLst>
+                        <p:cond delay="indefinite"/>
+                      </p:stCondLst>
+                      <p:childTnLst>
+                        <p:par>
+                          <p:cTn id="42" fill="hold">
+                            <p:stCondLst>
+                              <p:cond delay="0"/>
+                            </p:stCondLst>
+                            <p:childTnLst>
+                              <p:par>
+                                <p:cTn id="43" presetID="1" presetClass="entr" presetSubtype="0" fill="hold" grpId="0" nodeType="clickEffect">
+                                  <p:stCondLst>
+                                    <p:cond delay="0"/>
+                                  </p:stCondLst>
+                                  <p:childTnLst>
+                                    <p:set>
+                                      <p:cBhvr>
+                                        <p:cTn id="44" dur="1" fill="hold">
+                                          <p:stCondLst>
+                                            <p:cond delay="0"/>
+                                          </p:stCondLst>
+                                        </p:cTn>
+                                        <p:tgtEl>
+                                          <p:spTgt spid="3">
+                                            <p:txEl>
+                                              <p:pRg st="10" end="10"/>
+                                            </p:txEl>
+                                          </p:spTgt>
+                                        </p:tgtEl>
+                                        <p:attrNameLst>
+                                          <p:attrName>style.visibility</p:attrName>
+                                        </p:attrNameLst>
+                                      </p:cBhvr>
+                                      <p:to>
+                                        <p:strVal val="visible"/>
+                                      </p:to>
+                                    </p:set>
+                                  </p:childTnLst>
+                                </p:cTn>
+                              </p:par>
+                            </p:childTnLst>
+                          </p:cTn>
+                        </p:par>
+                      </p:childTnLst>
+                    </p:cTn>
+                  </p:par>
+                </p:childTnLst>
+              </p:cTn>
+              <p:prevCondLst>
+                <p:cond evt="onPrev" delay="0">
+                  <p:tgtEl>
+                    <p:sldTgt/>
+                  </p:tgtEl>
+                </p:cond>
+              </p:prevCondLst>
+              <p:nextCondLst>
+                <p:cond evt="onNext" delay="0">
+                  <p:tgtEl>
+                    <p:sldTgt/>
+                  </p:tgtEl>
+                </p:cond>
+              </p:nextCondLst>
+            </p:seq>
+          </p:childTnLst>
+        </p:cTn>
+      </p:par>
+    </p:tnLst>
+    <p:bldLst>
+      <p:bldP spid="3" grpId="0" build="p"/>
+    </p:bldLst>
+  </p:timing>
+</p:sld>
+</file>
+
+<file path=ppt/slides/slide7.xml><?xml version="1.0" encoding="utf-8"?>
 <p:sld xmlns:a="http://schemas.openxmlformats.org/drawingml/2006/main" xmlns:r="http://schemas.openxmlformats.org/officeDocument/2006/relationships" xmlns:p="http://schemas.openxmlformats.org/presentationml/2006/main">
   <p:cSld>
     <p:spTree>
@@ -7125,7 +9113,7 @@
         <p:spPr>
           <a:xfrm>
             <a:off x="7479587" y="277402"/>
-            <a:ext cx="4712413" cy="5632311"/>
+            <a:ext cx="4712413" cy="6186309"/>
           </a:xfrm>
           <a:prstGeom prst="rect">
             <a:avLst/>
@@ -7215,6 +9203,16 @@
             <a:r>
               <a:rPr lang="en-US" dirty="0"/>
               <a:t>Right figures correspond to same plots but using a bagging ensemble, instead of 1 tree</a:t>
+            </a:r>
+          </a:p>
+          <a:p>
+            <a:pPr marL="285750" indent="-285750">
+              <a:buFont typeface="Arial" panose="020B0604020202020204" pitchFamily="34" charset="0"/>
+              <a:buChar char="•"/>
+            </a:pPr>
+            <a:r>
+              <a:rPr lang="en-US" dirty="0"/>
+              <a:t>Variance components (and hence, overall error) is less when using ensemble</a:t>
             </a:r>
           </a:p>
           <a:p>
@@ -7600,6 +9598,55 @@
                       </p:childTnLst>
                     </p:cTn>
                   </p:par>
+                  <p:par>
+                    <p:cTn id="31" fill="hold">
+                      <p:stCondLst>
+                        <p:cond delay="indefinite"/>
+                      </p:stCondLst>
+                      <p:childTnLst>
+                        <p:par>
+                          <p:cTn id="32" fill="hold">
+                            <p:stCondLst>
+                              <p:cond delay="0"/>
+                            </p:stCondLst>
+                            <p:childTnLst>
+                              <p:par>
+                                <p:cTn id="33" presetID="1" presetClass="entr" presetSubtype="0" fill="hold" nodeType="clickEffect">
+                                  <p:stCondLst>
+                                    <p:cond delay="0"/>
+                                  </p:stCondLst>
+                                  <p:childTnLst>
+                                    <p:set>
+                                      <p:cBhvr>
+                                        <p:cTn id="34" dur="1" fill="hold">
+                                          <p:stCondLst>
+                                            <p:cond delay="0"/>
+                                          </p:stCondLst>
+                                        </p:cTn>
+                                        <p:tgtEl>
+                                          <p:spTgt spid="6">
+                                            <p:txEl>
+                                              <p:pRg st="8" end="8"/>
+                                            </p:txEl>
+                                          </p:spTgt>
+                                        </p:tgtEl>
+                                        <p:attrNameLst>
+                                          <p:attrName>style.visibility</p:attrName>
+                                        </p:attrNameLst>
+                                      </p:cBhvr>
+                                      <p:to>
+                                        <p:strVal val="visible"/>
+                                      </p:to>
+                                    </p:set>
+                                  </p:childTnLst>
+                                </p:cTn>
+                              </p:par>
+                            </p:childTnLst>
+                          </p:cTn>
+                        </p:par>
+                      </p:childTnLst>
+                    </p:cTn>
+                  </p:par>
                 </p:childTnLst>
               </p:cTn>
               <p:prevCondLst>
@@ -7625,7 +9672,7 @@
 </p:sld>
 </file>
 
-<file path=ppt/slides/slide7.xml><?xml version="1.0" encoding="utf-8"?>
+<file path=ppt/slides/slide8.xml><?xml version="1.0" encoding="utf-8"?>
 <p:sld xmlns:a="http://schemas.openxmlformats.org/drawingml/2006/main" xmlns:r="http://schemas.openxmlformats.org/officeDocument/2006/relationships" xmlns:p="http://schemas.openxmlformats.org/presentationml/2006/main">
   <p:cSld>
     <p:spTree>
@@ -7723,7 +9770,7 @@
           <a:p>
             <a:r>
               <a:rPr lang="en-US" dirty="0"/>
-              <a:t>Can also be used for regression (average predictions) </a:t>
+              <a:t>Can also be used for regression (average the predictions) </a:t>
             </a:r>
           </a:p>
         </p:txBody>
@@ -8000,693 +10047,6 @@
 </p:sld>
 </file>
 
-<file path=ppt/slides/slide8.xml><?xml version="1.0" encoding="utf-8"?>
-<p:sld xmlns:a="http://schemas.openxmlformats.org/drawingml/2006/main" xmlns:r="http://schemas.openxmlformats.org/officeDocument/2006/relationships" xmlns:p="http://schemas.openxmlformats.org/presentationml/2006/main">
-  <p:cSld>
-    <p:spTree>
-      <p:nvGrpSpPr>
-        <p:cNvPr id="1" name=""/>
-        <p:cNvGrpSpPr/>
-        <p:nvPr/>
-      </p:nvGrpSpPr>
-      <p:grpSpPr>
-        <a:xfrm>
-          <a:off x="0" y="0"/>
-          <a:ext cx="0" cy="0"/>
-          <a:chOff x="0" y="0"/>
-          <a:chExt cx="0" cy="0"/>
-        </a:xfrm>
-      </p:grpSpPr>
-      <p:sp>
-        <p:nvSpPr>
-          <p:cNvPr id="2" name="Title 1">
-            <a:extLst>
-              <a:ext uri="{FF2B5EF4-FFF2-40B4-BE49-F238E27FC236}">
-                <a16:creationId xmlns:a16="http://schemas.microsoft.com/office/drawing/2014/main" id="{B6892AAD-1523-408A-914A-BD53435CAA44}"/>
-              </a:ext>
-            </a:extLst>
-          </p:cNvPr>
-          <p:cNvSpPr>
-            <a:spLocks noGrp="1"/>
-          </p:cNvSpPr>
-          <p:nvPr>
-            <p:ph type="title"/>
-          </p:nvPr>
-        </p:nvSpPr>
-        <p:spPr>
-          <a:xfrm>
-            <a:off x="0" y="18256"/>
-            <a:ext cx="12192000" cy="865322"/>
-          </a:xfrm>
-        </p:spPr>
-        <p:txBody>
-          <a:bodyPr/>
-          <a:lstStyle/>
-          <a:p>
-            <a:r>
-              <a:rPr lang="en-US" dirty="0"/>
-              <a:t>Bagging with costs</a:t>
-            </a:r>
-          </a:p>
-        </p:txBody>
-      </p:sp>
-      <p:sp>
-        <p:nvSpPr>
-          <p:cNvPr id="3" name="Content Placeholder 2">
-            <a:extLst>
-              <a:ext uri="{FF2B5EF4-FFF2-40B4-BE49-F238E27FC236}">
-                <a16:creationId xmlns:a16="http://schemas.microsoft.com/office/drawing/2014/main" id="{EEF167AB-67F2-4A95-9DC5-502BF91093B6}"/>
-              </a:ext>
-            </a:extLst>
-          </p:cNvPr>
-          <p:cNvSpPr>
-            <a:spLocks noGrp="1"/>
-          </p:cNvSpPr>
-          <p:nvPr>
-            <p:ph idx="1"/>
-          </p:nvPr>
-        </p:nvSpPr>
-        <p:spPr>
-          <a:xfrm>
-            <a:off x="-1" y="955497"/>
-            <a:ext cx="12191999" cy="5884247"/>
-          </a:xfrm>
-        </p:spPr>
-        <p:txBody>
-          <a:bodyPr>
-            <a:normAutofit lnSpcReduction="10000"/>
-          </a:bodyPr>
-          <a:lstStyle/>
-          <a:p>
-            <a:r>
-              <a:rPr lang="en-US" dirty="0"/>
-              <a:t>Bagging results can be improved by increasing diversity of ensemble by making learning scheme as unstable as possible while maintaining a minimum accuracy</a:t>
-            </a:r>
-          </a:p>
-          <a:p>
-            <a:r>
-              <a:rPr lang="en-US" dirty="0"/>
-              <a:t>Example: when learning ensemble of decision trees, switch off pruning, making them even more unstable</a:t>
-            </a:r>
-          </a:p>
-          <a:p>
-            <a:r>
-              <a:rPr lang="en-US" dirty="0"/>
-              <a:t>Further improvements by changing way predictions combined for classification:</a:t>
-            </a:r>
-          </a:p>
-          <a:p>
-            <a:pPr lvl="1"/>
-            <a:r>
-              <a:rPr lang="en-US" dirty="0"/>
-              <a:t>Bagging uses voting</a:t>
-            </a:r>
-          </a:p>
-          <a:p>
-            <a:pPr lvl="1"/>
-            <a:r>
-              <a:rPr lang="en-US" dirty="0"/>
-              <a:t>When models output probability estimates, can average these probabilities across models</a:t>
-            </a:r>
-          </a:p>
-          <a:p>
-            <a:pPr lvl="1"/>
-            <a:r>
-              <a:rPr lang="en-US" dirty="0"/>
-              <a:t>This improves classification slightly, and also allows us to assign probabilities</a:t>
-            </a:r>
-          </a:p>
-          <a:p>
-            <a:r>
-              <a:rPr lang="en-US" b="1" dirty="0" err="1"/>
-              <a:t>Metacost</a:t>
-            </a:r>
-            <a:r>
-              <a:rPr lang="en-US" b="1" dirty="0"/>
-              <a:t> </a:t>
-            </a:r>
-            <a:r>
-              <a:rPr lang="en-US" dirty="0"/>
-              <a:t>combines predictive benefits of bagging with cost-sensitive prediction:</a:t>
-            </a:r>
-          </a:p>
-          <a:p>
-            <a:r>
-              <a:rPr lang="en-US" dirty="0"/>
-              <a:t>1) build ensemble classifier using bagging</a:t>
-            </a:r>
-          </a:p>
-          <a:p>
-            <a:r>
-              <a:rPr lang="en-US" dirty="0"/>
-              <a:t>2) Use it to relabel training data by giving every training instance a prediction minimizing expected cost, based on probability estimates from bagging</a:t>
-            </a:r>
-          </a:p>
-          <a:p>
-            <a:r>
-              <a:rPr lang="en-US" dirty="0"/>
-              <a:t>3) discard original class labels and learn single new classifier from relabeled data</a:t>
-            </a:r>
-          </a:p>
-          <a:p>
-            <a:r>
-              <a:rPr lang="en-US" dirty="0"/>
-              <a:t>Result is a const-sensitive classifier, costs have been built into class labels</a:t>
-            </a:r>
-          </a:p>
-        </p:txBody>
-      </p:sp>
-    </p:spTree>
-    <p:extLst>
-      <p:ext uri="{BB962C8B-B14F-4D97-AF65-F5344CB8AC3E}">
-        <p14:creationId xmlns:p14="http://schemas.microsoft.com/office/powerpoint/2010/main" val="2355424786"/>
-      </p:ext>
-    </p:extLst>
-  </p:cSld>
-  <p:clrMapOvr>
-    <a:masterClrMapping/>
-  </p:clrMapOvr>
-  <p:timing>
-    <p:tnLst>
-      <p:par>
-        <p:cTn id="1" dur="indefinite" restart="never" nodeType="tmRoot">
-          <p:childTnLst>
-            <p:seq concurrent="1" nextAc="seek">
-              <p:cTn id="2" dur="indefinite" nodeType="mainSeq">
-                <p:childTnLst>
-                  <p:par>
-                    <p:cTn id="3" fill="hold">
-                      <p:stCondLst>
-                        <p:cond delay="indefinite"/>
-                      </p:stCondLst>
-                      <p:childTnLst>
-                        <p:par>
-                          <p:cTn id="4" fill="hold">
-                            <p:stCondLst>
-                              <p:cond delay="0"/>
-                            </p:stCondLst>
-                            <p:childTnLst>
-                              <p:par>
-                                <p:cTn id="5" presetID="1" presetClass="entr" presetSubtype="0" fill="hold" grpId="0" nodeType="clickEffect">
-                                  <p:stCondLst>
-                                    <p:cond delay="0"/>
-                                  </p:stCondLst>
-                                  <p:childTnLst>
-                                    <p:set>
-                                      <p:cBhvr>
-                                        <p:cTn id="6" dur="1" fill="hold">
-                                          <p:stCondLst>
-                                            <p:cond delay="0"/>
-                                          </p:stCondLst>
-                                        </p:cTn>
-                                        <p:tgtEl>
-                                          <p:spTgt spid="3">
-                                            <p:txEl>
-                                              <p:pRg st="0" end="0"/>
-                                            </p:txEl>
-                                          </p:spTgt>
-                                        </p:tgtEl>
-                                        <p:attrNameLst>
-                                          <p:attrName>style.visibility</p:attrName>
-                                        </p:attrNameLst>
-                                      </p:cBhvr>
-                                      <p:to>
-                                        <p:strVal val="visible"/>
-                                      </p:to>
-                                    </p:set>
-                                  </p:childTnLst>
-                                </p:cTn>
-                              </p:par>
-                            </p:childTnLst>
-                          </p:cTn>
-                        </p:par>
-                      </p:childTnLst>
-                    </p:cTn>
-                  </p:par>
-                  <p:par>
-                    <p:cTn id="7" fill="hold">
-                      <p:stCondLst>
-                        <p:cond delay="indefinite"/>
-                      </p:stCondLst>
-                      <p:childTnLst>
-                        <p:par>
-                          <p:cTn id="8" fill="hold">
-                            <p:stCondLst>
-                              <p:cond delay="0"/>
-                            </p:stCondLst>
-                            <p:childTnLst>
-                              <p:par>
-                                <p:cTn id="9" presetID="1" presetClass="entr" presetSubtype="0" fill="hold" grpId="0" nodeType="clickEffect">
-                                  <p:stCondLst>
-                                    <p:cond delay="0"/>
-                                  </p:stCondLst>
-                                  <p:childTnLst>
-                                    <p:set>
-                                      <p:cBhvr>
-                                        <p:cTn id="10" dur="1" fill="hold">
-                                          <p:stCondLst>
-                                            <p:cond delay="0"/>
-                                          </p:stCondLst>
-                                        </p:cTn>
-                                        <p:tgtEl>
-                                          <p:spTgt spid="3">
-                                            <p:txEl>
-                                              <p:pRg st="1" end="1"/>
-                                            </p:txEl>
-                                          </p:spTgt>
-                                        </p:tgtEl>
-                                        <p:attrNameLst>
-                                          <p:attrName>style.visibility</p:attrName>
-                                        </p:attrNameLst>
-                                      </p:cBhvr>
-                                      <p:to>
-                                        <p:strVal val="visible"/>
-                                      </p:to>
-                                    </p:set>
-                                  </p:childTnLst>
-                                </p:cTn>
-                              </p:par>
-                            </p:childTnLst>
-                          </p:cTn>
-                        </p:par>
-                      </p:childTnLst>
-                    </p:cTn>
-                  </p:par>
-                  <p:par>
-                    <p:cTn id="11" fill="hold">
-                      <p:stCondLst>
-                        <p:cond delay="indefinite"/>
-                      </p:stCondLst>
-                      <p:childTnLst>
-                        <p:par>
-                          <p:cTn id="12" fill="hold">
-                            <p:stCondLst>
-                              <p:cond delay="0"/>
-                            </p:stCondLst>
-                            <p:childTnLst>
-                              <p:par>
-                                <p:cTn id="13" presetID="1" presetClass="entr" presetSubtype="0" fill="hold" grpId="0" nodeType="clickEffect">
-                                  <p:stCondLst>
-                                    <p:cond delay="0"/>
-                                  </p:stCondLst>
-                                  <p:childTnLst>
-                                    <p:set>
-                                      <p:cBhvr>
-                                        <p:cTn id="14" dur="1" fill="hold">
-                                          <p:stCondLst>
-                                            <p:cond delay="0"/>
-                                          </p:stCondLst>
-                                        </p:cTn>
-                                        <p:tgtEl>
-                                          <p:spTgt spid="3">
-                                            <p:txEl>
-                                              <p:pRg st="2" end="2"/>
-                                            </p:txEl>
-                                          </p:spTgt>
-                                        </p:tgtEl>
-                                        <p:attrNameLst>
-                                          <p:attrName>style.visibility</p:attrName>
-                                        </p:attrNameLst>
-                                      </p:cBhvr>
-                                      <p:to>
-                                        <p:strVal val="visible"/>
-                                      </p:to>
-                                    </p:set>
-                                  </p:childTnLst>
-                                </p:cTn>
-                              </p:par>
-                              <p:par>
-                                <p:cTn id="15" presetID="1" presetClass="entr" presetSubtype="0" fill="hold" grpId="0" nodeType="withEffect">
-                                  <p:stCondLst>
-                                    <p:cond delay="0"/>
-                                  </p:stCondLst>
-                                  <p:childTnLst>
-                                    <p:set>
-                                      <p:cBhvr>
-                                        <p:cTn id="16" dur="1" fill="hold">
-                                          <p:stCondLst>
-                                            <p:cond delay="0"/>
-                                          </p:stCondLst>
-                                        </p:cTn>
-                                        <p:tgtEl>
-                                          <p:spTgt spid="3">
-                                            <p:txEl>
-                                              <p:pRg st="3" end="3"/>
-                                            </p:txEl>
-                                          </p:spTgt>
-                                        </p:tgtEl>
-                                        <p:attrNameLst>
-                                          <p:attrName>style.visibility</p:attrName>
-                                        </p:attrNameLst>
-                                      </p:cBhvr>
-                                      <p:to>
-                                        <p:strVal val="visible"/>
-                                      </p:to>
-                                    </p:set>
-                                  </p:childTnLst>
-                                </p:cTn>
-                              </p:par>
-                              <p:par>
-                                <p:cTn id="17" presetID="1" presetClass="entr" presetSubtype="0" fill="hold" grpId="0" nodeType="withEffect">
-                                  <p:stCondLst>
-                                    <p:cond delay="0"/>
-                                  </p:stCondLst>
-                                  <p:childTnLst>
-                                    <p:set>
-                                      <p:cBhvr>
-                                        <p:cTn id="18" dur="1" fill="hold">
-                                          <p:stCondLst>
-                                            <p:cond delay="0"/>
-                                          </p:stCondLst>
-                                        </p:cTn>
-                                        <p:tgtEl>
-                                          <p:spTgt spid="3">
-                                            <p:txEl>
-                                              <p:pRg st="4" end="4"/>
-                                            </p:txEl>
-                                          </p:spTgt>
-                                        </p:tgtEl>
-                                        <p:attrNameLst>
-                                          <p:attrName>style.visibility</p:attrName>
-                                        </p:attrNameLst>
-                                      </p:cBhvr>
-                                      <p:to>
-                                        <p:strVal val="visible"/>
-                                      </p:to>
-                                    </p:set>
-                                  </p:childTnLst>
-                                </p:cTn>
-                              </p:par>
-                              <p:par>
-                                <p:cTn id="19" presetID="1" presetClass="entr" presetSubtype="0" fill="hold" grpId="0" nodeType="withEffect">
-                                  <p:stCondLst>
-                                    <p:cond delay="0"/>
-                                  </p:stCondLst>
-                                  <p:childTnLst>
-                                    <p:set>
-                                      <p:cBhvr>
-                                        <p:cTn id="20" dur="1" fill="hold">
-                                          <p:stCondLst>
-                                            <p:cond delay="0"/>
-                                          </p:stCondLst>
-                                        </p:cTn>
-                                        <p:tgtEl>
-                                          <p:spTgt spid="3">
-                                            <p:txEl>
-                                              <p:pRg st="5" end="5"/>
-                                            </p:txEl>
-                                          </p:spTgt>
-                                        </p:tgtEl>
-                                        <p:attrNameLst>
-                                          <p:attrName>style.visibility</p:attrName>
-                                        </p:attrNameLst>
-                                      </p:cBhvr>
-                                      <p:to>
-                                        <p:strVal val="visible"/>
-                                      </p:to>
-                                    </p:set>
-                                  </p:childTnLst>
-                                </p:cTn>
-                              </p:par>
-                            </p:childTnLst>
-                          </p:cTn>
-                        </p:par>
-                      </p:childTnLst>
-                    </p:cTn>
-                  </p:par>
-                  <p:par>
-                    <p:cTn id="21" fill="hold">
-                      <p:stCondLst>
-                        <p:cond delay="indefinite"/>
-                      </p:stCondLst>
-                      <p:childTnLst>
-                        <p:par>
-                          <p:cTn id="22" fill="hold">
-                            <p:stCondLst>
-                              <p:cond delay="0"/>
-                            </p:stCondLst>
-                            <p:childTnLst>
-                              <p:par>
-                                <p:cTn id="23" presetID="1" presetClass="entr" presetSubtype="0" fill="hold" grpId="0" nodeType="clickEffect">
-                                  <p:stCondLst>
-                                    <p:cond delay="0"/>
-                                  </p:stCondLst>
-                                  <p:childTnLst>
-                                    <p:set>
-                                      <p:cBhvr>
-                                        <p:cTn id="24" dur="1" fill="hold">
-                                          <p:stCondLst>
-                                            <p:cond delay="0"/>
-                                          </p:stCondLst>
-                                        </p:cTn>
-                                        <p:tgtEl>
-                                          <p:spTgt spid="3">
-                                            <p:txEl>
-                                              <p:pRg st="6" end="6"/>
-                                            </p:txEl>
-                                          </p:spTgt>
-                                        </p:tgtEl>
-                                        <p:attrNameLst>
-                                          <p:attrName>style.visibility</p:attrName>
-                                        </p:attrNameLst>
-                                      </p:cBhvr>
-                                      <p:to>
-                                        <p:strVal val="visible"/>
-                                      </p:to>
-                                    </p:set>
-                                  </p:childTnLst>
-                                </p:cTn>
-                              </p:par>
-                            </p:childTnLst>
-                          </p:cTn>
-                        </p:par>
-                      </p:childTnLst>
-                    </p:cTn>
-                  </p:par>
-                  <p:par>
-                    <p:cTn id="25" fill="hold">
-                      <p:stCondLst>
-                        <p:cond delay="indefinite"/>
-                      </p:stCondLst>
-                      <p:childTnLst>
-                        <p:par>
-                          <p:cTn id="26" fill="hold">
-                            <p:stCondLst>
-                              <p:cond delay="0"/>
-                            </p:stCondLst>
-                            <p:childTnLst>
-                              <p:par>
-                                <p:cTn id="27" presetID="1" presetClass="entr" presetSubtype="0" fill="hold" grpId="0" nodeType="clickEffect">
-                                  <p:stCondLst>
-                                    <p:cond delay="0"/>
-                                  </p:stCondLst>
-                                  <p:childTnLst>
-                                    <p:set>
-                                      <p:cBhvr>
-                                        <p:cTn id="28" dur="1" fill="hold">
-                                          <p:stCondLst>
-                                            <p:cond delay="0"/>
-                                          </p:stCondLst>
-                                        </p:cTn>
-                                        <p:tgtEl>
-                                          <p:spTgt spid="3">
-                                            <p:txEl>
-                                              <p:pRg st="7" end="7"/>
-                                            </p:txEl>
-                                          </p:spTgt>
-                                        </p:tgtEl>
-                                        <p:attrNameLst>
-                                          <p:attrName>style.visibility</p:attrName>
-                                        </p:attrNameLst>
-                                      </p:cBhvr>
-                                      <p:to>
-                                        <p:strVal val="visible"/>
-                                      </p:to>
-                                    </p:set>
-                                  </p:childTnLst>
-                                </p:cTn>
-                              </p:par>
-                            </p:childTnLst>
-                          </p:cTn>
-                        </p:par>
-                      </p:childTnLst>
-                    </p:cTn>
-                  </p:par>
-                  <p:par>
-                    <p:cTn id="29" fill="hold">
-                      <p:stCondLst>
-                        <p:cond delay="indefinite"/>
-                      </p:stCondLst>
-                      <p:childTnLst>
-                        <p:par>
-                          <p:cTn id="30" fill="hold">
-                            <p:stCondLst>
-                              <p:cond delay="0"/>
-                            </p:stCondLst>
-                            <p:childTnLst>
-                              <p:par>
-                                <p:cTn id="31" presetID="1" presetClass="entr" presetSubtype="0" fill="hold" grpId="0" nodeType="clickEffect">
-                                  <p:stCondLst>
-                                    <p:cond delay="0"/>
-                                  </p:stCondLst>
-                                  <p:childTnLst>
-                                    <p:set>
-                                      <p:cBhvr>
-                                        <p:cTn id="32" dur="1" fill="hold">
-                                          <p:stCondLst>
-                                            <p:cond delay="0"/>
-                                          </p:stCondLst>
-                                        </p:cTn>
-                                        <p:tgtEl>
-                                          <p:spTgt spid="3">
-                                            <p:txEl>
-                                              <p:pRg st="8" end="8"/>
-                                            </p:txEl>
-                                          </p:spTgt>
-                                        </p:tgtEl>
-                                        <p:attrNameLst>
-                                          <p:attrName>style.visibility</p:attrName>
-                                        </p:attrNameLst>
-                                      </p:cBhvr>
-                                      <p:to>
-                                        <p:strVal val="visible"/>
-                                      </p:to>
-                                    </p:set>
-                                  </p:childTnLst>
-                                </p:cTn>
-                              </p:par>
-                            </p:childTnLst>
-                          </p:cTn>
-                        </p:par>
-                      </p:childTnLst>
-                    </p:cTn>
-                  </p:par>
-                  <p:par>
-                    <p:cTn id="33" fill="hold">
-                      <p:stCondLst>
-                        <p:cond delay="indefinite"/>
-                      </p:stCondLst>
-                      <p:childTnLst>
-                        <p:par>
-                          <p:cTn id="34" fill="hold">
-                            <p:stCondLst>
-                              <p:cond delay="0"/>
-                            </p:stCondLst>
-                            <p:childTnLst>
-                              <p:par>
-                                <p:cTn id="35" presetID="1" presetClass="entr" presetSubtype="0" fill="hold" grpId="0" nodeType="clickEffect">
-                                  <p:stCondLst>
-                                    <p:cond delay="0"/>
-                                  </p:stCondLst>
-                                  <p:childTnLst>
-                                    <p:set>
-                                      <p:cBhvr>
-                                        <p:cTn id="36" dur="1" fill="hold">
-                                          <p:stCondLst>
-                                            <p:cond delay="0"/>
-                                          </p:stCondLst>
-                                        </p:cTn>
-                                        <p:tgtEl>
-                                          <p:spTgt spid="3">
-                                            <p:txEl>
-                                              <p:pRg st="9" end="9"/>
-                                            </p:txEl>
-                                          </p:spTgt>
-                                        </p:tgtEl>
-                                        <p:attrNameLst>
-                                          <p:attrName>style.visibility</p:attrName>
-                                        </p:attrNameLst>
-                                      </p:cBhvr>
-                                      <p:to>
-                                        <p:strVal val="visible"/>
-                                      </p:to>
-                                    </p:set>
-                                  </p:childTnLst>
-                                </p:cTn>
-                              </p:par>
-                            </p:childTnLst>
-                          </p:cTn>
-                        </p:par>
-                      </p:childTnLst>
-                    </p:cTn>
-                  </p:par>
-                  <p:par>
-                    <p:cTn id="37" fill="hold">
-                      <p:stCondLst>
-                        <p:cond delay="indefinite"/>
-                      </p:stCondLst>
-                      <p:childTnLst>
-                        <p:par>
-                          <p:cTn id="38" fill="hold">
-                            <p:stCondLst>
-                              <p:cond delay="0"/>
-                            </p:stCondLst>
-                            <p:childTnLst>
-                              <p:par>
-                                <p:cTn id="39" presetID="1" presetClass="entr" presetSubtype="0" fill="hold" grpId="0" nodeType="clickEffect">
-                                  <p:stCondLst>
-                                    <p:cond delay="0"/>
-                                  </p:stCondLst>
-                                  <p:childTnLst>
-                                    <p:set>
-                                      <p:cBhvr>
-                                        <p:cTn id="40" dur="1" fill="hold">
-                                          <p:stCondLst>
-                                            <p:cond delay="0"/>
-                                          </p:stCondLst>
-                                        </p:cTn>
-                                        <p:tgtEl>
-                                          <p:spTgt spid="3">
-                                            <p:txEl>
-                                              <p:pRg st="10" end="10"/>
-                                            </p:txEl>
-                                          </p:spTgt>
-                                        </p:tgtEl>
-                                        <p:attrNameLst>
-                                          <p:attrName>style.visibility</p:attrName>
-                                        </p:attrNameLst>
-                                      </p:cBhvr>
-                                      <p:to>
-                                        <p:strVal val="visible"/>
-                                      </p:to>
-                                    </p:set>
-                                  </p:childTnLst>
-                                </p:cTn>
-                              </p:par>
-                            </p:childTnLst>
-                          </p:cTn>
-                        </p:par>
-                      </p:childTnLst>
-                    </p:cTn>
-                  </p:par>
-                </p:childTnLst>
-              </p:cTn>
-              <p:prevCondLst>
-                <p:cond evt="onPrev" delay="0">
-                  <p:tgtEl>
-                    <p:sldTgt/>
-                  </p:tgtEl>
-                </p:cond>
-              </p:prevCondLst>
-              <p:nextCondLst>
-                <p:cond evt="onNext" delay="0">
-                  <p:tgtEl>
-                    <p:sldTgt/>
-                  </p:tgtEl>
-                </p:cond>
-              </p:nextCondLst>
-            </p:seq>
-          </p:childTnLst>
-        </p:cTn>
-      </p:par>
-    </p:tnLst>
-    <p:bldLst>
-      <p:bldP spid="3" grpId="0" build="p"/>
-    </p:bldLst>
-  </p:timing>
-</p:sld>
-</file>
-
 <file path=ppt/slides/slide9.xml><?xml version="1.0" encoding="utf-8"?>
 <p:sld xmlns:a="http://schemas.openxmlformats.org/drawingml/2006/main" xmlns:r="http://schemas.openxmlformats.org/officeDocument/2006/relationships" xmlns:p="http://schemas.openxmlformats.org/presentationml/2006/main">
   <p:cSld>
@@ -8765,7 +10125,7 @@
           <a:p>
             <a:r>
               <a:rPr lang="en-US" dirty="0"/>
-              <a:t>Perceptron’s weights are randomly initialized to small random values</a:t>
+              <a:t>Consider perceptron: weights are randomly initialized to small random values</a:t>
             </a:r>
           </a:p>
           <a:p>
